--- a/P4_Presentation.pptx
+++ b/P4_Presentation.pptx
@@ -5,23 +5,24 @@
     <p:sldMasterId id="2147483648" r:id="rId1"/>
   </p:sldMasterIdLst>
   <p:notesMasterIdLst>
-    <p:notesMasterId r:id="rId16"/>
+    <p:notesMasterId r:id="rId17"/>
   </p:notesMasterIdLst>
   <p:sldIdLst>
     <p:sldId id="256" r:id="rId2"/>
     <p:sldId id="257" r:id="rId3"/>
     <p:sldId id="258" r:id="rId4"/>
-    <p:sldId id="259" r:id="rId5"/>
-    <p:sldId id="262" r:id="rId6"/>
-    <p:sldId id="268" r:id="rId7"/>
-    <p:sldId id="260" r:id="rId8"/>
-    <p:sldId id="261" r:id="rId9"/>
-    <p:sldId id="267" r:id="rId10"/>
-    <p:sldId id="269" r:id="rId11"/>
-    <p:sldId id="263" r:id="rId12"/>
-    <p:sldId id="264" r:id="rId13"/>
-    <p:sldId id="265" r:id="rId14"/>
-    <p:sldId id="266" r:id="rId15"/>
+    <p:sldId id="270" r:id="rId5"/>
+    <p:sldId id="259" r:id="rId6"/>
+    <p:sldId id="262" r:id="rId7"/>
+    <p:sldId id="268" r:id="rId8"/>
+    <p:sldId id="260" r:id="rId9"/>
+    <p:sldId id="261" r:id="rId10"/>
+    <p:sldId id="267" r:id="rId11"/>
+    <p:sldId id="269" r:id="rId12"/>
+    <p:sldId id="263" r:id="rId13"/>
+    <p:sldId id="264" r:id="rId14"/>
+    <p:sldId id="265" r:id="rId15"/>
+    <p:sldId id="266" r:id="rId16"/>
   </p:sldIdLst>
   <p:sldSz cx="9144000" cy="5143500" type="screen16x9"/>
   <p:notesSz cx="6858000" cy="9144000"/>
@@ -3952,7 +3953,7 @@
           </a:effectLst>
           <a:extLst>
             <a:ext uri="{C572A759-6A51-4108-AA02-DFA0A04FC94B}">
-              <ma14:wrappingTextBoxFlag xmlns:ma14="http://schemas.microsoft.com/office/mac/drawingml/2011/main" xmlns:a14="http://schemas.microsoft.com/office/drawing/2010/main" xmlns:m="http://schemas.openxmlformats.org/officeDocument/2006/math" xmlns="" val="1"/>
+              <ma14:wrappingTextBoxFlag xmlns="" xmlns:m="http://schemas.openxmlformats.org/officeDocument/2006/math" xmlns:a14="http://schemas.microsoft.com/office/drawing/2010/main" xmlns:ma14="http://schemas.microsoft.com/office/mac/drawingml/2011/main" val="1"/>
             </a:ext>
           </a:extLst>
         </p:spPr>
@@ -3998,7 +3999,7 @@
           </a:effectLst>
           <a:extLst>
             <a:ext uri="{C572A759-6A51-4108-AA02-DFA0A04FC94B}">
-              <ma14:wrappingTextBoxFlag xmlns:ma14="http://schemas.microsoft.com/office/mac/drawingml/2011/main" xmlns:a14="http://schemas.microsoft.com/office/drawing/2010/main" xmlns:m="http://schemas.openxmlformats.org/officeDocument/2006/math" xmlns="" val="1"/>
+              <ma14:wrappingTextBoxFlag xmlns="" xmlns:m="http://schemas.openxmlformats.org/officeDocument/2006/math" xmlns:a14="http://schemas.microsoft.com/office/drawing/2010/main" xmlns:ma14="http://schemas.microsoft.com/office/mac/drawingml/2011/main" val="1"/>
             </a:ext>
           </a:extLst>
         </p:spPr>
@@ -5106,7 +5107,7 @@
           <p:cNvPr id="5" name="Picture 4">
             <a:extLst>
               <a:ext uri="{FF2B5EF4-FFF2-40B4-BE49-F238E27FC236}">
-                <a16:creationId xmlns:a16="http://schemas.microsoft.com/office/drawing/2014/main" id="{68C74801-DCAC-AF48-86C9-D9F8ABB665EC}"/>
+                <a16:creationId xmlns:a16="http://schemas.microsoft.com/office/drawing/2014/main" id="{1B0DD322-31FA-BD40-BF59-C2C0476DD58B}"/>
               </a:ext>
             </a:extLst>
           </p:cNvPr>
@@ -5129,50 +5130,80 @@
         </p:blipFill>
         <p:spPr>
           <a:xfrm>
-            <a:off x="165757" y="1154758"/>
-            <a:ext cx="4238077" cy="2833983"/>
+            <a:off x="220716" y="1003253"/>
+            <a:ext cx="8734097" cy="3537216"/>
           </a:xfrm>
           <a:prstGeom prst="rect">
             <a:avLst/>
           </a:prstGeom>
         </p:spPr>
       </p:pic>
-      <p:pic>
-        <p:nvPicPr>
-          <p:cNvPr id="7" name="Picture 6">
+    </p:spTree>
+    <p:extLst>
+      <p:ext uri="{BB962C8B-B14F-4D97-AF65-F5344CB8AC3E}">
+        <p14:creationId xmlns:p14="http://schemas.microsoft.com/office/powerpoint/2010/main" val="2410493315"/>
+      </p:ext>
+    </p:extLst>
+  </p:cSld>
+  <p:clrMapOvr>
+    <a:masterClrMapping/>
+  </p:clrMapOvr>
+  <p:transition spd="med"/>
+</p:sld>
+</file>
+
+<file path=ppt/slides/slide11.xml><?xml version="1.0" encoding="utf-8"?>
+<p:sld xmlns:a="http://schemas.openxmlformats.org/drawingml/2006/main" xmlns:r="http://schemas.openxmlformats.org/officeDocument/2006/relationships" xmlns:p="http://schemas.openxmlformats.org/presentationml/2006/main">
+  <p:cSld>
+    <p:spTree>
+      <p:nvGrpSpPr>
+        <p:cNvPr id="1" name=""/>
+        <p:cNvGrpSpPr/>
+        <p:nvPr/>
+      </p:nvGrpSpPr>
+      <p:grpSpPr>
+        <a:xfrm>
+          <a:off x="0" y="0"/>
+          <a:ext cx="0" cy="0"/>
+          <a:chOff x="0" y="0"/>
+          <a:chExt cx="0" cy="0"/>
+        </a:xfrm>
+      </p:grpSpPr>
+      <p:sp>
+        <p:nvSpPr>
+          <p:cNvPr id="2" name="Title 1">
             <a:extLst>
               <a:ext uri="{FF2B5EF4-FFF2-40B4-BE49-F238E27FC236}">
-                <a16:creationId xmlns:a16="http://schemas.microsoft.com/office/drawing/2014/main" id="{CE43266F-6B8C-F345-8656-EB58EE259045}"/>
+                <a16:creationId xmlns:a16="http://schemas.microsoft.com/office/drawing/2014/main" id="{DAD72253-67C6-D34B-A542-AE3015A4DFD8}"/>
               </a:ext>
             </a:extLst>
           </p:cNvPr>
-          <p:cNvPicPr>
-            <a:picLocks noChangeAspect="1"/>
-          </p:cNvPicPr>
-          <p:nvPr/>
-        </p:nvPicPr>
-        <p:blipFill>
-          <a:blip r:embed="rId3">
-            <a:extLst>
-              <a:ext uri="{28A0092B-C50C-407E-A947-70E740481C1C}">
-                <a14:useLocalDpi xmlns:a14="http://schemas.microsoft.com/office/drawing/2010/main" val="0"/>
-              </a:ext>
-            </a:extLst>
-          </a:blip>
-          <a:stretch>
-            <a:fillRect/>
-          </a:stretch>
-        </p:blipFill>
+          <p:cNvSpPr>
+            <a:spLocks noGrp="1"/>
+          </p:cNvSpPr>
+          <p:nvPr>
+            <p:ph type="title"/>
+          </p:nvPr>
+        </p:nvSpPr>
         <p:spPr>
           <a:xfrm>
-            <a:off x="4572000" y="1154757"/>
-            <a:ext cx="4356100" cy="2833983"/>
+            <a:off x="311699" y="180330"/>
+            <a:ext cx="8520602" cy="572701"/>
           </a:xfrm>
-          <a:prstGeom prst="rect">
-            <a:avLst/>
-          </a:prstGeom>
         </p:spPr>
-      </p:pic>
+        <p:txBody>
+          <a:bodyPr>
+            <a:normAutofit fontScale="90000"/>
+          </a:bodyPr>
+          <a:lstStyle/>
+          <a:p>
+            <a:r>
+              <a:rPr lang="en-US" dirty="0"/>
+              <a:t>Final Model’s Prediction</a:t>
+            </a:r>
+          </a:p>
+        </p:txBody>
+      </p:sp>
       <p:sp>
         <p:nvSpPr>
           <p:cNvPr id="9" name="TextBox 8">
@@ -5354,6 +5385,78 @@
           </a:p>
         </p:txBody>
       </p:sp>
+      <p:pic>
+        <p:nvPicPr>
+          <p:cNvPr id="4" name="Picture 3">
+            <a:extLst>
+              <a:ext uri="{FF2B5EF4-FFF2-40B4-BE49-F238E27FC236}">
+                <a16:creationId xmlns:a16="http://schemas.microsoft.com/office/drawing/2014/main" id="{E4AAC4F0-DD49-C744-B51D-673F63170647}"/>
+              </a:ext>
+            </a:extLst>
+          </p:cNvPr>
+          <p:cNvPicPr>
+            <a:picLocks noChangeAspect="1"/>
+          </p:cNvPicPr>
+          <p:nvPr/>
+        </p:nvPicPr>
+        <p:blipFill>
+          <a:blip r:embed="rId2">
+            <a:extLst>
+              <a:ext uri="{28A0092B-C50C-407E-A947-70E740481C1C}">
+                <a14:useLocalDpi xmlns:a14="http://schemas.microsoft.com/office/drawing/2010/main" val="0"/>
+              </a:ext>
+            </a:extLst>
+          </a:blip>
+          <a:stretch>
+            <a:fillRect/>
+          </a:stretch>
+        </p:blipFill>
+        <p:spPr>
+          <a:xfrm>
+            <a:off x="33023" y="1198984"/>
+            <a:ext cx="4465406" cy="2545474"/>
+          </a:xfrm>
+          <a:prstGeom prst="rect">
+            <a:avLst/>
+          </a:prstGeom>
+        </p:spPr>
+      </p:pic>
+      <p:pic>
+        <p:nvPicPr>
+          <p:cNvPr id="8" name="Picture 7">
+            <a:extLst>
+              <a:ext uri="{FF2B5EF4-FFF2-40B4-BE49-F238E27FC236}">
+                <a16:creationId xmlns:a16="http://schemas.microsoft.com/office/drawing/2014/main" id="{30F8BA6C-090C-4F40-912B-B509F38ED85D}"/>
+              </a:ext>
+            </a:extLst>
+          </p:cNvPr>
+          <p:cNvPicPr>
+            <a:picLocks noChangeAspect="1"/>
+          </p:cNvPicPr>
+          <p:nvPr/>
+        </p:nvPicPr>
+        <p:blipFill>
+          <a:blip r:embed="rId3">
+            <a:extLst>
+              <a:ext uri="{28A0092B-C50C-407E-A947-70E740481C1C}">
+                <a14:useLocalDpi xmlns:a14="http://schemas.microsoft.com/office/drawing/2010/main" val="0"/>
+              </a:ext>
+            </a:extLst>
+          </a:blip>
+          <a:stretch>
+            <a:fillRect/>
+          </a:stretch>
+        </p:blipFill>
+        <p:spPr>
+          <a:xfrm>
+            <a:off x="4572000" y="1198984"/>
+            <a:ext cx="4466897" cy="2545474"/>
+          </a:xfrm>
+          <a:prstGeom prst="rect">
+            <a:avLst/>
+          </a:prstGeom>
+        </p:spPr>
+      </p:pic>
     </p:spTree>
     <p:extLst>
       <p:ext uri="{BB962C8B-B14F-4D97-AF65-F5344CB8AC3E}">
@@ -5368,7 +5471,7 @@
 </p:sld>
 </file>
 
-<file path=ppt/slides/slide11.xml><?xml version="1.0" encoding="utf-8"?>
+<file path=ppt/slides/slide12.xml><?xml version="1.0" encoding="utf-8"?>
 <p:sld xmlns:a="http://schemas.openxmlformats.org/drawingml/2006/main" xmlns:r="http://schemas.openxmlformats.org/officeDocument/2006/relationships" xmlns:p="http://schemas.openxmlformats.org/presentationml/2006/main">
   <p:cSld>
     <p:spTree>
@@ -5556,7 +5659,7 @@
             </a:pPr>
             <a:r>
               <a:rPr lang="en-US" dirty="0"/>
-              <a:t> Hardware and Software Compatibility (Modeling on M2 GPU Laptop)</a:t>
+              <a:t> Hardware and software Compatibility (Modeling on M2 GPU Laptop)</a:t>
             </a:r>
           </a:p>
           <a:p>
@@ -5626,7 +5729,7 @@
 </p:sld>
 </file>
 
-<file path=ppt/slides/slide12.xml><?xml version="1.0" encoding="utf-8"?>
+<file path=ppt/slides/slide13.xml><?xml version="1.0" encoding="utf-8"?>
 <p:sld xmlns:a="http://schemas.openxmlformats.org/drawingml/2006/main" xmlns:r="http://schemas.openxmlformats.org/officeDocument/2006/relationships" xmlns:p="http://schemas.openxmlformats.org/presentationml/2006/main">
   <p:cSld>
     <p:spTree>
@@ -5742,7 +5845,7 @@
             </a:r>
             <a:r>
               <a:rPr lang="en-US" sz="1800" dirty="0"/>
-              <a:t>The model is best as a learning tool and not an official diagnosis.</a:t>
+              <a:t>The model is best as a learning tool and not an official diagnosis </a:t>
             </a:r>
           </a:p>
           <a:p>
@@ -5770,7 +5873,7 @@
             </a:r>
             <a:r>
               <a:rPr lang="en-US" sz="1800" dirty="0"/>
-              <a:t>Use the model as an initial reviewer of the images.</a:t>
+              <a:t>Use the model as an initial reviewer of the images</a:t>
             </a:r>
           </a:p>
           <a:p>
@@ -5798,7 +5901,7 @@
             </a:r>
             <a:r>
               <a:rPr lang="en-US" sz="1800" dirty="0"/>
-              <a:t>The model is best used with a doctor, not standalone.</a:t>
+              <a:t>The model is best used with a doctor, not standalone</a:t>
             </a:r>
             <a:endParaRPr sz="1800" dirty="0"/>
           </a:p>
@@ -5813,7 +5916,7 @@
 </p:sld>
 </file>
 
-<file path=ppt/slides/slide13.xml><?xml version="1.0" encoding="utf-8"?>
+<file path=ppt/slides/slide14.xml><?xml version="1.0" encoding="utf-8"?>
 <p:sld xmlns:a="http://schemas.openxmlformats.org/drawingml/2006/main" xmlns:r="http://schemas.openxmlformats.org/officeDocument/2006/relationships" xmlns:p="http://schemas.openxmlformats.org/presentationml/2006/main">
   <p:cSld>
     <p:spTree>
@@ -6047,7 +6150,7 @@
 </p:sld>
 </file>
 
-<file path=ppt/slides/slide14.xml><?xml version="1.0" encoding="utf-8"?>
+<file path=ppt/slides/slide15.xml><?xml version="1.0" encoding="utf-8"?>
 <p:sld xmlns:a="http://schemas.openxmlformats.org/drawingml/2006/main" xmlns:r="http://schemas.openxmlformats.org/officeDocument/2006/relationships" xmlns:p="http://schemas.openxmlformats.org/presentationml/2006/main">
   <p:cSld>
     <p:bg>
@@ -6297,7 +6400,7 @@
             </a:r>
             <a:r>
               <a:rPr lang="en-US" dirty="0"/>
-              <a:t>if patient has a  ”Normal or “Pneumonia” X-ray. The main stakeholder is for a local hospital to try out for potential staffing replacement. </a:t>
+              <a:t>if patient has a  ”Normal or “Pneumonia” X-ray. The main stakeholder is for a Ft Washington Med Center to try out for potential staffing replacement. </a:t>
             </a:r>
           </a:p>
           <a:p>
@@ -6719,8 +6822,8 @@
         </p:nvSpPr>
         <p:spPr>
           <a:xfrm>
-            <a:off x="1124607" y="1720235"/>
-            <a:ext cx="6705600" cy="2534027"/>
+            <a:off x="105104" y="1427957"/>
+            <a:ext cx="4067504" cy="871970"/>
           </a:xfrm>
           <a:prstGeom prst="rect">
             <a:avLst/>
@@ -6730,7 +6833,7 @@
           </a:ln>
           <a:extLst>
             <a:ext uri="{C572A759-6A51-4108-AA02-DFA0A04FC94B}">
-              <ma14:wrappingTextBoxFlag xmlns:ma14="http://schemas.microsoft.com/office/mac/drawingml/2011/main" xmlns:a14="http://schemas.microsoft.com/office/drawing/2010/main" xmlns:m="http://schemas.openxmlformats.org/officeDocument/2006/math" xmlns="" val="1"/>
+              <ma14:wrappingTextBoxFlag xmlns="" xmlns:m="http://schemas.openxmlformats.org/officeDocument/2006/math" xmlns:a14="http://schemas.microsoft.com/office/drawing/2010/main" xmlns:ma14="http://schemas.microsoft.com/office/mac/drawingml/2011/main" val="1"/>
             </a:ext>
           </a:extLst>
         </p:spPr>
@@ -6740,7 +6843,7 @@
           </a:bodyPr>
           <a:lstStyle/>
           <a:p>
-            <a:pPr marL="285750" indent="-285750">
+            <a:pPr algn="ctr">
               <a:lnSpc>
                 <a:spcPct val="150000"/>
               </a:lnSpc>
@@ -6748,8 +6851,6 @@
                 <a:schemeClr val="accent1"/>
               </a:buClr>
               <a:buSzPct val="100000"/>
-              <a:buFont typeface="Arial" panose="020B0604020202020204" pitchFamily="34" charset="0"/>
-              <a:buChar char="•"/>
               <a:defRPr b="1">
                 <a:solidFill>
                   <a:srgbClr val="FFFFFF"/>
@@ -6761,137 +6862,6 @@
               </a:defRPr>
             </a:pPr>
             <a:r>
-              <a:rPr sz="1800" dirty="0">
-                <a:solidFill>
-                  <a:schemeClr val="accent4"/>
-                </a:solidFill>
-              </a:rPr>
-              <a:t>Stakeholder: </a:t>
-            </a:r>
-            <a:r>
-              <a:rPr lang="en-US" sz="1800" dirty="0"/>
-              <a:t>Local Hospital System</a:t>
-            </a:r>
-            <a:endParaRPr sz="1800" dirty="0">
-              <a:solidFill>
-                <a:srgbClr val="FFFFFF"/>
-              </a:solidFill>
-              <a:latin typeface="+mj-lt"/>
-              <a:ea typeface="+mj-ea"/>
-              <a:cs typeface="+mj-cs"/>
-            </a:endParaRPr>
-          </a:p>
-          <a:p>
-            <a:pPr marL="285750" indent="-285750">
-              <a:lnSpc>
-                <a:spcPct val="150000"/>
-              </a:lnSpc>
-              <a:buClr>
-                <a:schemeClr val="accent1"/>
-              </a:buClr>
-              <a:buSzPct val="100000"/>
-              <a:buFont typeface="Arial" panose="020B0604020202020204" pitchFamily="34" charset="0"/>
-              <a:buChar char="•"/>
-              <a:defRPr b="1">
-                <a:solidFill>
-                  <a:srgbClr val="FFFFFF"/>
-                </a:solidFill>
-                <a:latin typeface="+mj-lt"/>
-                <a:ea typeface="+mj-ea"/>
-                <a:cs typeface="+mj-cs"/>
-                <a:sym typeface="Arial"/>
-              </a:defRPr>
-            </a:pPr>
-            <a:r>
-              <a:rPr sz="1800" dirty="0">
-                <a:solidFill>
-                  <a:schemeClr val="accent4"/>
-                </a:solidFill>
-              </a:rPr>
-              <a:t>Use case: </a:t>
-            </a:r>
-            <a:r>
-              <a:rPr sz="1800" b="1" dirty="0"/>
-              <a:t>Predict “</a:t>
-            </a:r>
-            <a:r>
-              <a:rPr lang="en-US" sz="1800" b="1" dirty="0"/>
-              <a:t>Pneumonia</a:t>
-            </a:r>
-            <a:r>
-              <a:rPr sz="1800" b="1" dirty="0"/>
-              <a:t>”</a:t>
-            </a:r>
-            <a:r>
-              <a:rPr lang="en-US" sz="1800" b="1" dirty="0"/>
-              <a:t> cases</a:t>
-            </a:r>
-            <a:endParaRPr sz="1800" b="1" dirty="0"/>
-          </a:p>
-          <a:p>
-            <a:pPr marL="285750" indent="-285750">
-              <a:lnSpc>
-                <a:spcPct val="150000"/>
-              </a:lnSpc>
-              <a:buClr>
-                <a:schemeClr val="accent1"/>
-              </a:buClr>
-              <a:buSzPct val="100000"/>
-              <a:buFont typeface="Arial" panose="020B0604020202020204" pitchFamily="34" charset="0"/>
-              <a:buChar char="•"/>
-              <a:defRPr b="1">
-                <a:solidFill>
-                  <a:srgbClr val="FFFFFF"/>
-                </a:solidFill>
-                <a:latin typeface="+mj-lt"/>
-                <a:ea typeface="+mj-ea"/>
-                <a:cs typeface="+mj-cs"/>
-                <a:sym typeface="Arial"/>
-              </a:defRPr>
-            </a:pPr>
-            <a:r>
-              <a:rPr sz="1800" dirty="0">
-                <a:solidFill>
-                  <a:schemeClr val="accent4"/>
-                </a:solidFill>
-              </a:rPr>
-              <a:t>Dataset: </a:t>
-            </a:r>
-            <a:r>
-              <a:rPr lang="en-US" sz="1800" dirty="0"/>
-              <a:t>5856</a:t>
-            </a:r>
-            <a:r>
-              <a:rPr sz="1800" dirty="0"/>
-              <a:t> Entries</a:t>
-            </a:r>
-            <a:r>
-              <a:rPr lang="en-US" sz="1800" dirty="0"/>
-              <a:t>, T</a:t>
-            </a:r>
-          </a:p>
-          <a:p>
-            <a:pPr marL="285750" lvl="2" indent="-285750">
-              <a:lnSpc>
-                <a:spcPct val="150000"/>
-              </a:lnSpc>
-              <a:buClr>
-                <a:schemeClr val="accent1"/>
-              </a:buClr>
-              <a:buSzPct val="100000"/>
-              <a:buFont typeface="Arial" panose="020B0604020202020204" pitchFamily="34" charset="0"/>
-              <a:buChar char="•"/>
-              <a:defRPr b="1">
-                <a:solidFill>
-                  <a:srgbClr val="FFFFFF"/>
-                </a:solidFill>
-                <a:latin typeface="+mj-lt"/>
-                <a:ea typeface="+mj-ea"/>
-                <a:cs typeface="+mj-cs"/>
-                <a:sym typeface="Arial"/>
-              </a:defRPr>
-            </a:pPr>
-            <a:r>
               <a:rPr lang="en-US" sz="1800" b="1" dirty="0">
                 <a:solidFill>
                   <a:schemeClr val="accent4"/>
@@ -6900,147 +6870,8 @@
                 <a:ea typeface="+mj-ea"/>
                 <a:cs typeface="+mj-cs"/>
               </a:rPr>
-              <a:t>Training Set: </a:t>
-            </a:r>
-            <a:r>
-              <a:rPr lang="en-US" sz="1800" b="1" dirty="0">
-                <a:solidFill>
-                  <a:schemeClr val="bg1">
-                    <a:lumMod val="10000"/>
-                    <a:lumOff val="90000"/>
-                  </a:schemeClr>
-                </a:solidFill>
-                <a:latin typeface="+mj-lt"/>
-                <a:ea typeface="+mj-ea"/>
-                <a:cs typeface="+mj-cs"/>
-              </a:rPr>
-              <a:t>3210 (</a:t>
-            </a:r>
-            <a:r>
-              <a:rPr lang="en-US" sz="1800" b="1" dirty="0" err="1">
-                <a:solidFill>
-                  <a:schemeClr val="bg1">
-                    <a:lumMod val="10000"/>
-                    <a:lumOff val="90000"/>
-                  </a:schemeClr>
-                </a:solidFill>
-                <a:latin typeface="+mj-lt"/>
-                <a:ea typeface="+mj-ea"/>
-                <a:cs typeface="+mj-cs"/>
-              </a:rPr>
-              <a:t>Pneu</a:t>
-            </a:r>
-            <a:r>
-              <a:rPr lang="en-US" sz="1800" b="1" dirty="0">
-                <a:solidFill>
-                  <a:schemeClr val="bg1">
-                    <a:lumMod val="10000"/>
-                    <a:lumOff val="90000"/>
-                  </a:schemeClr>
-                </a:solidFill>
-                <a:latin typeface="+mj-lt"/>
-                <a:ea typeface="+mj-ea"/>
-                <a:cs typeface="+mj-cs"/>
-              </a:rPr>
-              <a:t>), 1115 (Norm), .35 Ratio</a:t>
-            </a:r>
-          </a:p>
-          <a:p>
-            <a:pPr marL="285750" indent="-285750">
-              <a:lnSpc>
-                <a:spcPct val="150000"/>
-              </a:lnSpc>
-              <a:buClr>
-                <a:schemeClr val="accent1"/>
-              </a:buClr>
-              <a:buSzPct val="100000"/>
-              <a:buFont typeface="Arial" panose="020B0604020202020204" pitchFamily="34" charset="0"/>
-              <a:buChar char="•"/>
-              <a:defRPr b="1">
-                <a:solidFill>
-                  <a:srgbClr val="FFFFFF"/>
-                </a:solidFill>
-                <a:latin typeface="+mj-lt"/>
-                <a:ea typeface="+mj-ea"/>
-                <a:cs typeface="+mj-cs"/>
-                <a:sym typeface="Arial"/>
-              </a:defRPr>
-            </a:pPr>
-            <a:r>
-              <a:rPr sz="1800" dirty="0">
-                <a:solidFill>
-                  <a:schemeClr val="accent4"/>
-                </a:solidFill>
-              </a:rPr>
-              <a:t>Target Variable:</a:t>
-            </a:r>
-            <a:r>
-              <a:rPr lang="en-US" sz="1800" dirty="0">
-                <a:solidFill>
-                  <a:schemeClr val="accent4"/>
-                </a:solidFill>
-              </a:rPr>
-              <a:t> </a:t>
-            </a:r>
-            <a:r>
-              <a:rPr sz="1800" b="1" dirty="0"/>
-              <a:t>Category[</a:t>
-            </a:r>
-            <a:r>
-              <a:rPr lang="en-US" sz="1800" b="1" dirty="0"/>
-              <a:t>Pneumonia:1</a:t>
-            </a:r>
-            <a:r>
-              <a:rPr sz="1800" b="1" dirty="0"/>
-              <a:t>,</a:t>
-            </a:r>
-            <a:r>
-              <a:rPr lang="en-US" sz="1800" b="1" dirty="0"/>
-              <a:t>Normal:0</a:t>
-            </a:r>
-            <a:r>
-              <a:rPr sz="1800" b="1" dirty="0"/>
-              <a:t>]</a:t>
-            </a:r>
-            <a:endParaRPr lang="en-US" sz="1800" b="1" dirty="0"/>
-          </a:p>
-          <a:p>
-            <a:pPr marL="285750" indent="-285750">
-              <a:lnSpc>
-                <a:spcPct val="150000"/>
-              </a:lnSpc>
-              <a:buClr>
-                <a:schemeClr val="accent1"/>
-              </a:buClr>
-              <a:buSzPct val="100000"/>
-              <a:buFont typeface="Arial" panose="020B0604020202020204" pitchFamily="34" charset="0"/>
-              <a:buChar char="•"/>
-              <a:defRPr b="1">
-                <a:solidFill>
-                  <a:srgbClr val="FFFFFF"/>
-                </a:solidFill>
-                <a:latin typeface="+mj-lt"/>
-                <a:ea typeface="+mj-ea"/>
-                <a:cs typeface="+mj-cs"/>
-                <a:sym typeface="Arial"/>
-              </a:defRPr>
-            </a:pPr>
-            <a:r>
-              <a:rPr lang="en-US" sz="1800" b="1" dirty="0">
-                <a:solidFill>
-                  <a:schemeClr val="accent4"/>
-                </a:solidFill>
-                <a:latin typeface="+mj-lt"/>
-                <a:ea typeface="+mj-ea"/>
-                <a:cs typeface="+mj-cs"/>
-              </a:rPr>
-              <a:t>Primary Metrics: </a:t>
-            </a:r>
-            <a:r>
-              <a:rPr lang="en-US" sz="1800" b="1" dirty="0"/>
-              <a:t>Recall, F1-Score, Loss</a:t>
-            </a:r>
-            <a:endParaRPr sz="1800" b="1" dirty="0"/>
+              <a:t>Adventist Health Care Fort Washington Medical Center </a:t>
+            </a:r>
           </a:p>
         </p:txBody>
       </p:sp>
@@ -7064,7 +6895,7 @@
           </a:prstGeom>
           <a:extLst>
             <a:ext uri="{C572A759-6A51-4108-AA02-DFA0A04FC94B}">
-              <ma14:wrappingTextBoxFlag xmlns:ma14="http://schemas.microsoft.com/office/mac/drawingml/2011/main" xmlns:a14="http://schemas.microsoft.com/office/drawing/2010/main" xmlns:m="http://schemas.openxmlformats.org/officeDocument/2006/math" xmlns="" val="1"/>
+              <ma14:wrappingTextBoxFlag xmlns="" xmlns:m="http://schemas.openxmlformats.org/officeDocument/2006/math" xmlns:a14="http://schemas.microsoft.com/office/drawing/2010/main" xmlns:ma14="http://schemas.microsoft.com/office/mac/drawingml/2011/main" val="1"/>
             </a:ext>
           </a:extLst>
         </p:spPr>
@@ -7076,6 +6907,799 @@
               <a:t>4</a:t>
             </a:fld>
             <a:endParaRPr/>
+          </a:p>
+        </p:txBody>
+      </p:sp>
+      <p:sp>
+        <p:nvSpPr>
+          <p:cNvPr id="5" name="Google Shape;77;p16">
+            <a:extLst>
+              <a:ext uri="{FF2B5EF4-FFF2-40B4-BE49-F238E27FC236}">
+                <a16:creationId xmlns:a16="http://schemas.microsoft.com/office/drawing/2014/main" id="{D1D67887-47D4-5641-A099-6DAC8F2D241E}"/>
+              </a:ext>
+            </a:extLst>
+          </p:cNvPr>
+          <p:cNvSpPr txBox="1">
+            <a:spLocks/>
+          </p:cNvSpPr>
+          <p:nvPr/>
+        </p:nvSpPr>
+        <p:spPr>
+          <a:xfrm>
+            <a:off x="-2252824" y="168162"/>
+            <a:ext cx="8520601" cy="998485"/>
+          </a:xfrm>
+          <a:prstGeom prst="rect">
+            <a:avLst/>
+          </a:prstGeom>
+          <a:ln w="12700">
+            <a:miter lim="400000"/>
+          </a:ln>
+          <a:effectLst>
+            <a:outerShdw blurRad="50800" dir="14400000" rotWithShape="0">
+              <a:srgbClr val="000000">
+                <a:alpha val="60000"/>
+              </a:srgbClr>
+            </a:outerShdw>
+          </a:effectLst>
+          <a:extLst>
+            <a:ext uri="{C572A759-6A51-4108-AA02-DFA0A04FC94B}">
+              <ma14:wrappingTextBoxFlag xmlns="" xmlns:m="http://schemas.openxmlformats.org/officeDocument/2006/math" xmlns:a14="http://schemas.microsoft.com/office/drawing/2010/main" xmlns:ma14="http://schemas.microsoft.com/office/mac/drawingml/2011/main" val="1"/>
+            </a:ext>
+          </a:extLst>
+        </p:spPr>
+        <p:txBody>
+          <a:bodyPr lIns="91424" tIns="91424" rIns="91424" bIns="91424" anchor="t">
+            <a:normAutofit/>
+          </a:bodyPr>
+          <a:lstStyle>
+            <a:lvl1pPr marL="0" marR="0" indent="0" algn="l" defTabSz="342900" rtl="0" latinLnBrk="0">
+              <a:lnSpc>
+                <a:spcPct val="100000"/>
+              </a:lnSpc>
+              <a:spcBef>
+                <a:spcPts val="0"/>
+              </a:spcBef>
+              <a:spcAft>
+                <a:spcPts val="0"/>
+              </a:spcAft>
+              <a:buClrTx/>
+              <a:buSzTx/>
+              <a:buFontTx/>
+              <a:buNone/>
+              <a:tabLst/>
+              <a:defRPr sz="3000" b="1" i="0" u="none" strike="noStrike" cap="none" spc="0" baseline="0">
+                <a:solidFill>
+                  <a:srgbClr val="FEFEFE"/>
+                </a:solidFill>
+                <a:uFillTx/>
+                <a:latin typeface="Century Gothic"/>
+                <a:ea typeface="Century Gothic"/>
+                <a:cs typeface="Century Gothic"/>
+                <a:sym typeface="Century Gothic"/>
+              </a:defRPr>
+            </a:lvl1pPr>
+            <a:lvl2pPr marL="0" marR="0" indent="0" algn="l" defTabSz="342900" rtl="0" latinLnBrk="0">
+              <a:lnSpc>
+                <a:spcPct val="100000"/>
+              </a:lnSpc>
+              <a:spcBef>
+                <a:spcPts val="0"/>
+              </a:spcBef>
+              <a:spcAft>
+                <a:spcPts val="0"/>
+              </a:spcAft>
+              <a:buClrTx/>
+              <a:buSzTx/>
+              <a:buFontTx/>
+              <a:buNone/>
+              <a:tabLst/>
+              <a:defRPr sz="3000" b="1" i="0" u="none" strike="noStrike" cap="none" spc="0" baseline="0">
+                <a:solidFill>
+                  <a:srgbClr val="FEFEFE"/>
+                </a:solidFill>
+                <a:uFillTx/>
+                <a:latin typeface="Century Gothic"/>
+                <a:ea typeface="Century Gothic"/>
+                <a:cs typeface="Century Gothic"/>
+                <a:sym typeface="Century Gothic"/>
+              </a:defRPr>
+            </a:lvl2pPr>
+            <a:lvl3pPr marL="0" marR="0" indent="0" algn="l" defTabSz="342900" rtl="0" latinLnBrk="0">
+              <a:lnSpc>
+                <a:spcPct val="100000"/>
+              </a:lnSpc>
+              <a:spcBef>
+                <a:spcPts val="0"/>
+              </a:spcBef>
+              <a:spcAft>
+                <a:spcPts val="0"/>
+              </a:spcAft>
+              <a:buClrTx/>
+              <a:buSzTx/>
+              <a:buFontTx/>
+              <a:buNone/>
+              <a:tabLst/>
+              <a:defRPr sz="3000" b="1" i="0" u="none" strike="noStrike" cap="none" spc="0" baseline="0">
+                <a:solidFill>
+                  <a:srgbClr val="FEFEFE"/>
+                </a:solidFill>
+                <a:uFillTx/>
+                <a:latin typeface="Century Gothic"/>
+                <a:ea typeface="Century Gothic"/>
+                <a:cs typeface="Century Gothic"/>
+                <a:sym typeface="Century Gothic"/>
+              </a:defRPr>
+            </a:lvl3pPr>
+            <a:lvl4pPr marL="0" marR="0" indent="0" algn="l" defTabSz="342900" rtl="0" latinLnBrk="0">
+              <a:lnSpc>
+                <a:spcPct val="100000"/>
+              </a:lnSpc>
+              <a:spcBef>
+                <a:spcPts val="0"/>
+              </a:spcBef>
+              <a:spcAft>
+                <a:spcPts val="0"/>
+              </a:spcAft>
+              <a:buClrTx/>
+              <a:buSzTx/>
+              <a:buFontTx/>
+              <a:buNone/>
+              <a:tabLst/>
+              <a:defRPr sz="3000" b="1" i="0" u="none" strike="noStrike" cap="none" spc="0" baseline="0">
+                <a:solidFill>
+                  <a:srgbClr val="FEFEFE"/>
+                </a:solidFill>
+                <a:uFillTx/>
+                <a:latin typeface="Century Gothic"/>
+                <a:ea typeface="Century Gothic"/>
+                <a:cs typeface="Century Gothic"/>
+                <a:sym typeface="Century Gothic"/>
+              </a:defRPr>
+            </a:lvl4pPr>
+            <a:lvl5pPr marL="0" marR="0" indent="0" algn="l" defTabSz="342900" rtl="0" latinLnBrk="0">
+              <a:lnSpc>
+                <a:spcPct val="100000"/>
+              </a:lnSpc>
+              <a:spcBef>
+                <a:spcPts val="0"/>
+              </a:spcBef>
+              <a:spcAft>
+                <a:spcPts val="0"/>
+              </a:spcAft>
+              <a:buClrTx/>
+              <a:buSzTx/>
+              <a:buFontTx/>
+              <a:buNone/>
+              <a:tabLst/>
+              <a:defRPr sz="3000" b="1" i="0" u="none" strike="noStrike" cap="none" spc="0" baseline="0">
+                <a:solidFill>
+                  <a:srgbClr val="FEFEFE"/>
+                </a:solidFill>
+                <a:uFillTx/>
+                <a:latin typeface="Century Gothic"/>
+                <a:ea typeface="Century Gothic"/>
+                <a:cs typeface="Century Gothic"/>
+                <a:sym typeface="Century Gothic"/>
+              </a:defRPr>
+            </a:lvl5pPr>
+            <a:lvl6pPr marL="0" marR="0" indent="0" algn="l" defTabSz="342900" rtl="0" latinLnBrk="0">
+              <a:lnSpc>
+                <a:spcPct val="100000"/>
+              </a:lnSpc>
+              <a:spcBef>
+                <a:spcPts val="0"/>
+              </a:spcBef>
+              <a:spcAft>
+                <a:spcPts val="0"/>
+              </a:spcAft>
+              <a:buClrTx/>
+              <a:buSzTx/>
+              <a:buFontTx/>
+              <a:buNone/>
+              <a:tabLst/>
+              <a:defRPr sz="3000" b="1" i="0" u="none" strike="noStrike" cap="none" spc="0" baseline="0">
+                <a:solidFill>
+                  <a:srgbClr val="FEFEFE"/>
+                </a:solidFill>
+                <a:uFillTx/>
+                <a:latin typeface="Century Gothic"/>
+                <a:ea typeface="Century Gothic"/>
+                <a:cs typeface="Century Gothic"/>
+                <a:sym typeface="Century Gothic"/>
+              </a:defRPr>
+            </a:lvl6pPr>
+            <a:lvl7pPr marL="0" marR="0" indent="0" algn="l" defTabSz="342900" rtl="0" latinLnBrk="0">
+              <a:lnSpc>
+                <a:spcPct val="100000"/>
+              </a:lnSpc>
+              <a:spcBef>
+                <a:spcPts val="0"/>
+              </a:spcBef>
+              <a:spcAft>
+                <a:spcPts val="0"/>
+              </a:spcAft>
+              <a:buClrTx/>
+              <a:buSzTx/>
+              <a:buFontTx/>
+              <a:buNone/>
+              <a:tabLst/>
+              <a:defRPr sz="3000" b="1" i="0" u="none" strike="noStrike" cap="none" spc="0" baseline="0">
+                <a:solidFill>
+                  <a:srgbClr val="FEFEFE"/>
+                </a:solidFill>
+                <a:uFillTx/>
+                <a:latin typeface="Century Gothic"/>
+                <a:ea typeface="Century Gothic"/>
+                <a:cs typeface="Century Gothic"/>
+                <a:sym typeface="Century Gothic"/>
+              </a:defRPr>
+            </a:lvl7pPr>
+            <a:lvl8pPr marL="0" marR="0" indent="0" algn="l" defTabSz="342900" rtl="0" latinLnBrk="0">
+              <a:lnSpc>
+                <a:spcPct val="100000"/>
+              </a:lnSpc>
+              <a:spcBef>
+                <a:spcPts val="0"/>
+              </a:spcBef>
+              <a:spcAft>
+                <a:spcPts val="0"/>
+              </a:spcAft>
+              <a:buClrTx/>
+              <a:buSzTx/>
+              <a:buFontTx/>
+              <a:buNone/>
+              <a:tabLst/>
+              <a:defRPr sz="3000" b="1" i="0" u="none" strike="noStrike" cap="none" spc="0" baseline="0">
+                <a:solidFill>
+                  <a:srgbClr val="FEFEFE"/>
+                </a:solidFill>
+                <a:uFillTx/>
+                <a:latin typeface="Century Gothic"/>
+                <a:ea typeface="Century Gothic"/>
+                <a:cs typeface="Century Gothic"/>
+                <a:sym typeface="Century Gothic"/>
+              </a:defRPr>
+            </a:lvl8pPr>
+            <a:lvl9pPr marL="0" marR="0" indent="0" algn="l" defTabSz="342900" rtl="0" latinLnBrk="0">
+              <a:lnSpc>
+                <a:spcPct val="100000"/>
+              </a:lnSpc>
+              <a:spcBef>
+                <a:spcPts val="0"/>
+              </a:spcBef>
+              <a:spcAft>
+                <a:spcPts val="0"/>
+              </a:spcAft>
+              <a:buClrTx/>
+              <a:buSzTx/>
+              <a:buFontTx/>
+              <a:buNone/>
+              <a:tabLst/>
+              <a:defRPr sz="3000" b="1" i="0" u="none" strike="noStrike" cap="none" spc="0" baseline="0">
+                <a:solidFill>
+                  <a:srgbClr val="FEFEFE"/>
+                </a:solidFill>
+                <a:uFillTx/>
+                <a:latin typeface="Century Gothic"/>
+                <a:ea typeface="Century Gothic"/>
+                <a:cs typeface="Century Gothic"/>
+                <a:sym typeface="Century Gothic"/>
+              </a:defRPr>
+            </a:lvl9pPr>
+          </a:lstStyle>
+          <a:p>
+            <a:pPr algn="ctr" defTabSz="298322" hangingPunct="1">
+              <a:defRPr sz="2610"/>
+            </a:pPr>
+            <a:r>
+              <a:rPr lang="en-US" sz="2610" dirty="0"/>
+              <a:t>Business and </a:t>
+            </a:r>
+            <a:br>
+              <a:rPr lang="en-US" sz="2610" dirty="0"/>
+            </a:br>
+            <a:r>
+              <a:rPr lang="en-US" sz="2610" dirty="0"/>
+              <a:t>Data Understanding</a:t>
+            </a:r>
+          </a:p>
+        </p:txBody>
+      </p:sp>
+      <p:pic>
+        <p:nvPicPr>
+          <p:cNvPr id="2" name="Picture 1">
+            <a:extLst>
+              <a:ext uri="{FF2B5EF4-FFF2-40B4-BE49-F238E27FC236}">
+                <a16:creationId xmlns:a16="http://schemas.microsoft.com/office/drawing/2014/main" id="{712FEDD6-F78F-144B-9289-8EC160667520}"/>
+              </a:ext>
+            </a:extLst>
+          </p:cNvPr>
+          <p:cNvPicPr>
+            <a:picLocks noChangeAspect="1"/>
+          </p:cNvPicPr>
+          <p:nvPr/>
+        </p:nvPicPr>
+        <p:blipFill>
+          <a:blip r:embed="rId2"/>
+          <a:stretch>
+            <a:fillRect/>
+          </a:stretch>
+        </p:blipFill>
+        <p:spPr>
+          <a:xfrm>
+            <a:off x="4783099" y="1156137"/>
+            <a:ext cx="3936562" cy="2287462"/>
+          </a:xfrm>
+          <a:prstGeom prst="rect">
+            <a:avLst/>
+          </a:prstGeom>
+        </p:spPr>
+      </p:pic>
+      <p:sp>
+        <p:nvSpPr>
+          <p:cNvPr id="4" name="TextBox 3">
+            <a:extLst>
+              <a:ext uri="{FF2B5EF4-FFF2-40B4-BE49-F238E27FC236}">
+                <a16:creationId xmlns:a16="http://schemas.microsoft.com/office/drawing/2014/main" id="{79A7F95B-8DBB-D14E-A07B-49AD7E96CA46}"/>
+              </a:ext>
+            </a:extLst>
+          </p:cNvPr>
+          <p:cNvSpPr txBox="1"/>
+          <p:nvPr/>
+        </p:nvSpPr>
+        <p:spPr>
+          <a:xfrm>
+            <a:off x="0" y="2649070"/>
+            <a:ext cx="4687614" cy="1754324"/>
+          </a:xfrm>
+          <a:prstGeom prst="rect">
+            <a:avLst/>
+          </a:prstGeom>
+          <a:noFill/>
+          <a:ln w="12700" cap="flat">
+            <a:noFill/>
+            <a:miter lim="400000"/>
+          </a:ln>
+          <a:effectLst/>
+          <a:sp3d/>
+        </p:spPr>
+        <p:style>
+          <a:lnRef idx="0">
+            <a:scrgbClr r="0" g="0" b="0"/>
+          </a:lnRef>
+          <a:fillRef idx="0">
+            <a:scrgbClr r="0" g="0" b="0"/>
+          </a:fillRef>
+          <a:effectRef idx="0">
+            <a:scrgbClr r="0" g="0" b="0"/>
+          </a:effectRef>
+          <a:fontRef idx="none"/>
+        </p:style>
+        <p:txBody>
+          <a:bodyPr rot="0" spcFirstLastPara="1" vertOverflow="overflow" horzOverflow="overflow" vert="horz" wrap="square" lIns="45719" tIns="45719" rIns="45719" bIns="45719" numCol="1" spcCol="38100" rtlCol="0" anchor="t">
+            <a:spAutoFit/>
+          </a:bodyPr>
+          <a:lstStyle/>
+          <a:p>
+            <a:pPr marL="285750" marR="0" indent="-285750" algn="l" defTabSz="914400" rtl="0" fontAlgn="auto" latinLnBrk="0" hangingPunct="0">
+              <a:lnSpc>
+                <a:spcPct val="100000"/>
+              </a:lnSpc>
+              <a:spcBef>
+                <a:spcPts val="0"/>
+              </a:spcBef>
+              <a:spcAft>
+                <a:spcPts val="0"/>
+              </a:spcAft>
+              <a:buClrTx/>
+              <a:buSzTx/>
+              <a:buFont typeface="Arial" panose="020B0604020202020204" pitchFamily="34" charset="0"/>
+              <a:buChar char="•"/>
+              <a:tabLst/>
+            </a:pPr>
+            <a:r>
+              <a:rPr lang="en-US" sz="1800" b="1" dirty="0">
+                <a:solidFill>
+                  <a:schemeClr val="accent1"/>
+                </a:solidFill>
+                <a:latin typeface="+mj-lt"/>
+                <a:ea typeface="+mj-ea"/>
+                <a:cs typeface="+mj-cs"/>
+              </a:rPr>
+              <a:t>Want to supplement knowledge with technology</a:t>
+            </a:r>
+          </a:p>
+          <a:p>
+            <a:pPr marR="0" algn="l" defTabSz="914400" rtl="0" fontAlgn="auto" latinLnBrk="0" hangingPunct="0">
+              <a:lnSpc>
+                <a:spcPct val="100000"/>
+              </a:lnSpc>
+              <a:spcBef>
+                <a:spcPts val="0"/>
+              </a:spcBef>
+              <a:spcAft>
+                <a:spcPts val="0"/>
+              </a:spcAft>
+              <a:buClrTx/>
+              <a:buSzTx/>
+              <a:tabLst/>
+            </a:pPr>
+            <a:endParaRPr lang="en-US" sz="1800" b="1" dirty="0">
+              <a:solidFill>
+                <a:schemeClr val="accent1"/>
+              </a:solidFill>
+              <a:latin typeface="+mj-lt"/>
+              <a:ea typeface="+mj-ea"/>
+              <a:cs typeface="+mj-cs"/>
+            </a:endParaRPr>
+          </a:p>
+          <a:p>
+            <a:pPr marL="285750" marR="0" indent="-285750" algn="l" defTabSz="914400" rtl="0" fontAlgn="auto" latinLnBrk="0" hangingPunct="0">
+              <a:lnSpc>
+                <a:spcPct val="100000"/>
+              </a:lnSpc>
+              <a:spcBef>
+                <a:spcPts val="0"/>
+              </a:spcBef>
+              <a:spcAft>
+                <a:spcPts val="0"/>
+              </a:spcAft>
+              <a:buClrTx/>
+              <a:buSzTx/>
+              <a:buFont typeface="Arial" panose="020B0604020202020204" pitchFamily="34" charset="0"/>
+              <a:buChar char="•"/>
+              <a:tabLst/>
+            </a:pPr>
+            <a:r>
+              <a:rPr lang="en-US" sz="1800" b="1" dirty="0">
+                <a:solidFill>
+                  <a:schemeClr val="accent1"/>
+                </a:solidFill>
+                <a:latin typeface="+mj-lt"/>
+                <a:ea typeface="+mj-ea"/>
+                <a:cs typeface="+mj-cs"/>
+              </a:rPr>
+              <a:t>Pneumonia Detection Ratings currently great!  Researching image recognition to keep ratings and not overwork staff.</a:t>
+            </a:r>
+          </a:p>
+        </p:txBody>
+      </p:sp>
+    </p:spTree>
+    <p:extLst>
+      <p:ext uri="{BB962C8B-B14F-4D97-AF65-F5344CB8AC3E}">
+        <p14:creationId xmlns:p14="http://schemas.microsoft.com/office/powerpoint/2010/main" val="2350078497"/>
+      </p:ext>
+    </p:extLst>
+  </p:cSld>
+  <p:clrMapOvr>
+    <a:masterClrMapping/>
+  </p:clrMapOvr>
+  <p:transition spd="med"/>
+</p:sld>
+</file>
+
+<file path=ppt/slides/slide5.xml><?xml version="1.0" encoding="utf-8"?>
+<p:sld xmlns:a="http://schemas.openxmlformats.org/drawingml/2006/main" xmlns:r="http://schemas.openxmlformats.org/officeDocument/2006/relationships" xmlns:p="http://schemas.openxmlformats.org/presentationml/2006/main">
+  <p:cSld>
+    <p:spTree>
+      <p:nvGrpSpPr>
+        <p:cNvPr id="1" name=""/>
+        <p:cNvGrpSpPr/>
+        <p:nvPr/>
+      </p:nvGrpSpPr>
+      <p:grpSpPr>
+        <a:xfrm>
+          <a:off x="0" y="0"/>
+          <a:ext cx="0" cy="0"/>
+          <a:chOff x="0" y="0"/>
+          <a:chExt cx="0" cy="0"/>
+        </a:xfrm>
+      </p:grpSpPr>
+      <p:sp>
+        <p:nvSpPr>
+          <p:cNvPr id="156" name="Google Shape;77;p16"/>
+          <p:cNvSpPr txBox="1">
+            <a:spLocks noGrp="1"/>
+          </p:cNvSpPr>
+          <p:nvPr>
+            <p:ph type="title"/>
+          </p:nvPr>
+        </p:nvSpPr>
+        <p:spPr>
+          <a:xfrm>
+            <a:off x="-2000575" y="157652"/>
+            <a:ext cx="8520601" cy="998485"/>
+          </a:xfrm>
+          <a:prstGeom prst="rect">
+            <a:avLst/>
+          </a:prstGeom>
+        </p:spPr>
+        <p:txBody>
+          <a:bodyPr/>
+          <a:lstStyle/>
+          <a:p>
+            <a:pPr algn="ctr" defTabSz="298322">
+              <a:defRPr sz="2610"/>
+            </a:pPr>
+            <a:r>
+              <a:rPr dirty="0"/>
+              <a:t>Business and </a:t>
+            </a:r>
+            <a:br>
+              <a:rPr dirty="0"/>
+            </a:br>
+            <a:r>
+              <a:rPr dirty="0"/>
+              <a:t>Data Understanding</a:t>
+            </a:r>
+          </a:p>
+        </p:txBody>
+      </p:sp>
+      <p:sp>
+        <p:nvSpPr>
+          <p:cNvPr id="159" name="Slide Number"/>
+          <p:cNvSpPr txBox="1">
+            <a:spLocks noGrp="1"/>
+          </p:cNvSpPr>
+          <p:nvPr>
+            <p:ph type="sldNum" sz="quarter" idx="4294967295"/>
+          </p:nvPr>
+        </p:nvSpPr>
+        <p:spPr>
+          <a:xfrm>
+            <a:off x="8719661" y="4663758"/>
+            <a:ext cx="301498" cy="392518"/>
+          </a:xfrm>
+          <a:prstGeom prst="rect">
+            <a:avLst/>
+          </a:prstGeom>
+          <a:extLst>
+            <a:ext uri="{C572A759-6A51-4108-AA02-DFA0A04FC94B}">
+              <ma14:wrappingTextBoxFlag xmlns="" xmlns:m="http://schemas.openxmlformats.org/officeDocument/2006/math" xmlns:a14="http://schemas.microsoft.com/office/drawing/2010/main" xmlns:ma14="http://schemas.microsoft.com/office/mac/drawingml/2011/main" val="1"/>
+            </a:ext>
+          </a:extLst>
+        </p:spPr>
+        <p:txBody>
+          <a:bodyPr lIns="91424" tIns="91424" rIns="91424" bIns="91424" anchor="ctr"/>
+          <a:lstStyle/>
+          <a:p>
+            <a:fld id="{86CB4B4D-7CA3-9044-876B-883B54F8677D}" type="slidenum">
+              <a:t>5</a:t>
+            </a:fld>
+            <a:endParaRPr/>
+          </a:p>
+        </p:txBody>
+      </p:sp>
+      <p:sp>
+        <p:nvSpPr>
+          <p:cNvPr id="2" name="TextBox 1">
+            <a:extLst>
+              <a:ext uri="{FF2B5EF4-FFF2-40B4-BE49-F238E27FC236}">
+                <a16:creationId xmlns:a16="http://schemas.microsoft.com/office/drawing/2014/main" id="{E82944A0-D16C-9647-9A32-679AD9A23A6A}"/>
+              </a:ext>
+            </a:extLst>
+          </p:cNvPr>
+          <p:cNvSpPr txBox="1"/>
+          <p:nvPr/>
+        </p:nvSpPr>
+        <p:spPr>
+          <a:xfrm>
+            <a:off x="493986" y="1326274"/>
+            <a:ext cx="8355724" cy="1631214"/>
+          </a:xfrm>
+          <a:prstGeom prst="rect">
+            <a:avLst/>
+          </a:prstGeom>
+          <a:noFill/>
+          <a:ln w="12700" cap="flat">
+            <a:noFill/>
+            <a:miter lim="400000"/>
+          </a:ln>
+          <a:effectLst/>
+          <a:sp3d/>
+        </p:spPr>
+        <p:style>
+          <a:lnRef idx="0">
+            <a:scrgbClr r="0" g="0" b="0"/>
+          </a:lnRef>
+          <a:fillRef idx="0">
+            <a:scrgbClr r="0" g="0" b="0"/>
+          </a:fillRef>
+          <a:effectRef idx="0">
+            <a:scrgbClr r="0" g="0" b="0"/>
+          </a:effectRef>
+          <a:fontRef idx="none"/>
+        </p:style>
+        <p:txBody>
+          <a:bodyPr rot="0" spcFirstLastPara="1" vertOverflow="overflow" horzOverflow="overflow" vert="horz" wrap="square" lIns="45719" tIns="45719" rIns="45719" bIns="45719" numCol="1" spcCol="38100" rtlCol="0" anchor="t">
+            <a:spAutoFit/>
+          </a:bodyPr>
+          <a:lstStyle/>
+          <a:p>
+            <a:pPr marL="285750" lvl="8" indent="-285750">
+              <a:buFont typeface="Arial" panose="020B0604020202020204" pitchFamily="34" charset="0"/>
+              <a:buChar char="•"/>
+            </a:pPr>
+            <a:r>
+              <a:rPr lang="en-US" sz="2000" b="1" dirty="0">
+                <a:solidFill>
+                  <a:schemeClr val="accent1"/>
+                </a:solidFill>
+              </a:rPr>
+              <a:t>Perform image classification predictions on X-RAYS</a:t>
+            </a:r>
+            <a:br>
+              <a:rPr lang="en-US" sz="2000" b="1" dirty="0">
+                <a:solidFill>
+                  <a:schemeClr val="accent1"/>
+                </a:solidFill>
+              </a:rPr>
+            </a:br>
+            <a:r>
+              <a:rPr lang="en-US" sz="2000" b="1" dirty="0">
+                <a:solidFill>
+                  <a:schemeClr val="accent1"/>
+                </a:solidFill>
+              </a:rPr>
+              <a:t> 		</a:t>
+            </a:r>
+          </a:p>
+          <a:p>
+            <a:pPr marL="285750" marR="0" indent="-285750" algn="l" defTabSz="914400" rtl="0" fontAlgn="auto" latinLnBrk="0" hangingPunct="0">
+              <a:lnSpc>
+                <a:spcPct val="100000"/>
+              </a:lnSpc>
+              <a:spcBef>
+                <a:spcPts val="0"/>
+              </a:spcBef>
+              <a:spcAft>
+                <a:spcPts val="0"/>
+              </a:spcAft>
+              <a:buClrTx/>
+              <a:buSzTx/>
+              <a:buFont typeface="Arial" panose="020B0604020202020204" pitchFamily="34" charset="0"/>
+              <a:buChar char="•"/>
+              <a:tabLst/>
+            </a:pPr>
+            <a:r>
+              <a:rPr lang="en-US" sz="2000" b="1" dirty="0">
+                <a:solidFill>
+                  <a:schemeClr val="accent1"/>
+                </a:solidFill>
+              </a:rPr>
+              <a:t>Minimize incorrect “Normal” diagnosis</a:t>
+            </a:r>
+          </a:p>
+          <a:p>
+            <a:pPr marL="285750" marR="0" indent="-285750" algn="l" defTabSz="914400" rtl="0" fontAlgn="auto" latinLnBrk="0" hangingPunct="0">
+              <a:lnSpc>
+                <a:spcPct val="100000"/>
+              </a:lnSpc>
+              <a:spcBef>
+                <a:spcPts val="0"/>
+              </a:spcBef>
+              <a:spcAft>
+                <a:spcPts val="0"/>
+              </a:spcAft>
+              <a:buClrTx/>
+              <a:buSzTx/>
+              <a:buFont typeface="Arial" panose="020B0604020202020204" pitchFamily="34" charset="0"/>
+              <a:buChar char="•"/>
+              <a:tabLst/>
+            </a:pPr>
+            <a:endParaRPr lang="en-US" sz="2000" b="1" dirty="0">
+              <a:solidFill>
+                <a:schemeClr val="accent1"/>
+              </a:solidFill>
+            </a:endParaRPr>
+          </a:p>
+          <a:p>
+            <a:pPr marL="285750" marR="0" indent="-285750" algn="l" defTabSz="914400" rtl="0" fontAlgn="auto" latinLnBrk="0" hangingPunct="0">
+              <a:lnSpc>
+                <a:spcPct val="100000"/>
+              </a:lnSpc>
+              <a:spcBef>
+                <a:spcPts val="0"/>
+              </a:spcBef>
+              <a:spcAft>
+                <a:spcPts val="0"/>
+              </a:spcAft>
+              <a:buClrTx/>
+              <a:buSzTx/>
+              <a:buFont typeface="Arial" panose="020B0604020202020204" pitchFamily="34" charset="0"/>
+              <a:buChar char="•"/>
+              <a:tabLst/>
+            </a:pPr>
+            <a:endParaRPr lang="en-US" sz="2000" b="1" dirty="0">
+              <a:solidFill>
+                <a:schemeClr val="accent1"/>
+              </a:solidFill>
+            </a:endParaRPr>
+          </a:p>
+        </p:txBody>
+      </p:sp>
+      <p:sp>
+        <p:nvSpPr>
+          <p:cNvPr id="6" name="TextBox 5">
+            <a:extLst>
+              <a:ext uri="{FF2B5EF4-FFF2-40B4-BE49-F238E27FC236}">
+                <a16:creationId xmlns:a16="http://schemas.microsoft.com/office/drawing/2014/main" id="{F04024C7-7A28-FC4A-90D4-1FCF8BE14B5F}"/>
+              </a:ext>
+            </a:extLst>
+          </p:cNvPr>
+          <p:cNvSpPr txBox="1"/>
+          <p:nvPr/>
+        </p:nvSpPr>
+        <p:spPr>
+          <a:xfrm>
+            <a:off x="493986" y="2508465"/>
+            <a:ext cx="8355724" cy="707884"/>
+          </a:xfrm>
+          <a:prstGeom prst="rect">
+            <a:avLst/>
+          </a:prstGeom>
+          <a:noFill/>
+          <a:ln w="12700" cap="flat">
+            <a:noFill/>
+            <a:miter lim="400000"/>
+          </a:ln>
+          <a:effectLst/>
+          <a:sp3d/>
+        </p:spPr>
+        <p:style>
+          <a:lnRef idx="0">
+            <a:scrgbClr r="0" g="0" b="0"/>
+          </a:lnRef>
+          <a:fillRef idx="0">
+            <a:scrgbClr r="0" g="0" b="0"/>
+          </a:fillRef>
+          <a:effectRef idx="0">
+            <a:scrgbClr r="0" g="0" b="0"/>
+          </a:effectRef>
+          <a:fontRef idx="none"/>
+        </p:style>
+        <p:txBody>
+          <a:bodyPr rot="0" spcFirstLastPara="1" vertOverflow="overflow" horzOverflow="overflow" vert="horz" wrap="square" lIns="45719" tIns="45719" rIns="45719" bIns="45719" numCol="1" spcCol="38100" rtlCol="0" anchor="t">
+            <a:spAutoFit/>
+          </a:bodyPr>
+          <a:lstStyle/>
+          <a:p>
+            <a:pPr marL="285750" lvl="8" indent="-285750">
+              <a:buFont typeface="Arial" panose="020B0604020202020204" pitchFamily="34" charset="0"/>
+              <a:buChar char="•"/>
+            </a:pPr>
+            <a:r>
+              <a:rPr lang="en-US" sz="2000" b="1" dirty="0">
+                <a:solidFill>
+                  <a:schemeClr val="accent1"/>
+                </a:solidFill>
+              </a:rPr>
+              <a:t>5856 Normal and Pneumonia Images</a:t>
+            </a:r>
+          </a:p>
+          <a:p>
+            <a:pPr marL="285750" marR="0" indent="-285750" algn="l" defTabSz="914400" rtl="0" fontAlgn="auto" latinLnBrk="0" hangingPunct="0">
+              <a:lnSpc>
+                <a:spcPct val="100000"/>
+              </a:lnSpc>
+              <a:spcBef>
+                <a:spcPts val="0"/>
+              </a:spcBef>
+              <a:spcAft>
+                <a:spcPts val="0"/>
+              </a:spcAft>
+              <a:buClrTx/>
+              <a:buSzTx/>
+              <a:buFont typeface="Arial" panose="020B0604020202020204" pitchFamily="34" charset="0"/>
+              <a:buChar char="•"/>
+              <a:tabLst/>
+            </a:pPr>
+            <a:endParaRPr lang="en-US" sz="2000" b="1" dirty="0">
+              <a:solidFill>
+                <a:schemeClr val="accent1"/>
+              </a:solidFill>
+            </a:endParaRPr>
           </a:p>
         </p:txBody>
       </p:sp>
@@ -7088,7 +7712,7 @@
 </p:sld>
 </file>
 
-<file path=ppt/slides/slide5.xml><?xml version="1.0" encoding="utf-8"?>
+<file path=ppt/slides/slide6.xml><?xml version="1.0" encoding="utf-8"?>
 <p:sld xmlns:a="http://schemas.openxmlformats.org/drawingml/2006/main" xmlns:r="http://schemas.openxmlformats.org/officeDocument/2006/relationships" xmlns:p="http://schemas.openxmlformats.org/presentationml/2006/main">
   <p:cSld>
     <p:spTree>
@@ -7221,7 +7845,7 @@
 </p:sld>
 </file>
 
-<file path=ppt/slides/slide6.xml><?xml version="1.0" encoding="utf-8"?>
+<file path=ppt/slides/slide7.xml><?xml version="1.0" encoding="utf-8"?>
 <p:sld xmlns:a="http://schemas.openxmlformats.org/drawingml/2006/main" xmlns:r="http://schemas.openxmlformats.org/officeDocument/2006/relationships" xmlns:p="http://schemas.openxmlformats.org/presentationml/2006/main">
   <p:cSld>
     <p:spTree>
@@ -7359,7 +7983,7 @@
 </p:sld>
 </file>
 
-<file path=ppt/slides/slide7.xml><?xml version="1.0" encoding="utf-8"?>
+<file path=ppt/slides/slide8.xml><?xml version="1.0" encoding="utf-8"?>
 <p:sld xmlns:a="http://schemas.openxmlformats.org/drawingml/2006/main" xmlns:r="http://schemas.openxmlformats.org/officeDocument/2006/relationships" xmlns:p="http://schemas.openxmlformats.org/presentationml/2006/main">
   <p:cSld>
     <p:spTree>
@@ -7588,7 +8212,7 @@
 </p:sld>
 </file>
 
-<file path=ppt/slides/slide8.xml><?xml version="1.0" encoding="utf-8"?>
+<file path=ppt/slides/slide9.xml><?xml version="1.0" encoding="utf-8"?>
 <p:sld xmlns:a="http://schemas.openxmlformats.org/drawingml/2006/main" xmlns:r="http://schemas.openxmlformats.org/officeDocument/2006/relationships" xmlns:p="http://schemas.openxmlformats.org/presentationml/2006/main">
   <p:cSld>
     <p:spTree>
@@ -7640,534 +8264,6 @@
           </a:p>
         </p:txBody>
       </p:sp>
-      <p:sp>
-        <p:nvSpPr>
-          <p:cNvPr id="166" name="TextBox 1"/>
-          <p:cNvSpPr txBox="1"/>
-          <p:nvPr/>
-        </p:nvSpPr>
-        <p:spPr>
-          <a:xfrm>
-            <a:off x="97882" y="556326"/>
-            <a:ext cx="8642979" cy="4185761"/>
-          </a:xfrm>
-          <a:prstGeom prst="rect">
-            <a:avLst/>
-          </a:prstGeom>
-          <a:ln w="12700">
-            <a:miter lim="400000"/>
-          </a:ln>
-          <a:extLst>
-            <a:ext uri="{C572A759-6A51-4108-AA02-DFA0A04FC94B}">
-              <ma14:wrappingTextBoxFlag xmlns:ma14="http://schemas.microsoft.com/office/mac/drawingml/2011/main" xmlns:a14="http://schemas.microsoft.com/office/drawing/2010/main" xmlns:m="http://schemas.openxmlformats.org/officeDocument/2006/math" xmlns="" val="1"/>
-            </a:ext>
-          </a:extLst>
-        </p:spPr>
-        <p:txBody>
-          <a:bodyPr lIns="45719" rIns="45719">
-            <a:spAutoFit/>
-          </a:bodyPr>
-          <a:lstStyle/>
-          <a:p>
-            <a:pPr marL="457200" lvl="6" defTabSz="342900">
-              <a:buClr>
-                <a:schemeClr val="accent1"/>
-              </a:buClr>
-              <a:buSzPts val="1600"/>
-              <a:defRPr sz="1600">
-                <a:solidFill>
-                  <a:schemeClr val="accent4"/>
-                </a:solidFill>
-                <a:latin typeface="+mj-lt"/>
-                <a:ea typeface="+mj-ea"/>
-                <a:cs typeface="+mj-cs"/>
-                <a:sym typeface="Arial"/>
-              </a:defRPr>
-            </a:pPr>
-            <a:endParaRPr lang="en-US" sz="1800" dirty="0">
-              <a:solidFill>
-                <a:schemeClr val="accent4"/>
-              </a:solidFill>
-              <a:latin typeface="+mj-lt"/>
-              <a:ea typeface="+mj-ea"/>
-              <a:cs typeface="+mj-cs"/>
-            </a:endParaRPr>
-          </a:p>
-          <a:p>
-            <a:pPr marL="285750" lvl="5" indent="-285750" defTabSz="342900">
-              <a:buClr>
-                <a:schemeClr val="accent1"/>
-              </a:buClr>
-              <a:buSzPts val="1600"/>
-              <a:buFont typeface="Arial"/>
-              <a:buChar char="•"/>
-              <a:defRPr sz="1600">
-                <a:solidFill>
-                  <a:srgbClr val="FFFFFF"/>
-                </a:solidFill>
-                <a:latin typeface="+mj-lt"/>
-                <a:ea typeface="+mj-ea"/>
-                <a:cs typeface="+mj-cs"/>
-                <a:sym typeface="Arial"/>
-              </a:defRPr>
-            </a:pPr>
-            <a:r>
-              <a:rPr lang="en-US" sz="1800" dirty="0">
-                <a:solidFill>
-                  <a:srgbClr val="FFFFFF"/>
-                </a:solidFill>
-                <a:sym typeface="Arial"/>
-              </a:rPr>
-              <a:t>The Final Model metrics (Normal):</a:t>
-            </a:r>
-          </a:p>
-          <a:p>
-            <a:pPr marL="742950" lvl="6" indent="-285750" defTabSz="342900">
-              <a:buClr>
-                <a:schemeClr val="accent1"/>
-              </a:buClr>
-              <a:buSzPts val="1600"/>
-              <a:buFont typeface="Arial"/>
-              <a:buChar char="•"/>
-              <a:defRPr sz="1600">
-                <a:solidFill>
-                  <a:schemeClr val="accent4"/>
-                </a:solidFill>
-                <a:latin typeface="+mj-lt"/>
-                <a:ea typeface="+mj-ea"/>
-                <a:cs typeface="+mj-cs"/>
-                <a:sym typeface="Arial"/>
-              </a:defRPr>
-            </a:pPr>
-            <a:r>
-              <a:rPr lang="en-US" sz="1800" dirty="0">
-                <a:solidFill>
-                  <a:schemeClr val="accent4"/>
-                </a:solidFill>
-                <a:sym typeface="Arial"/>
-              </a:rPr>
-              <a:t>Recall Score (Lowest False Neg) : </a:t>
-            </a:r>
-            <a:r>
-              <a:rPr lang="en-US" sz="1800" dirty="0">
-                <a:solidFill>
-                  <a:schemeClr val="bg1">
-                    <a:lumMod val="10000"/>
-                    <a:lumOff val="90000"/>
-                  </a:schemeClr>
-                </a:solidFill>
-                <a:sym typeface="Arial"/>
-              </a:rPr>
-              <a:t>~.04</a:t>
-            </a:r>
-            <a:endParaRPr lang="en-US" sz="1800" dirty="0">
-              <a:solidFill>
-                <a:srgbClr val="FFFFFF"/>
-              </a:solidFill>
-              <a:sym typeface="Arial"/>
-            </a:endParaRPr>
-          </a:p>
-          <a:p>
-            <a:pPr marL="742950" lvl="6" indent="-285750" defTabSz="342900">
-              <a:buClr>
-                <a:schemeClr val="accent1"/>
-              </a:buClr>
-              <a:buSzPts val="1600"/>
-              <a:buFont typeface="Arial"/>
-              <a:buChar char="•"/>
-              <a:defRPr sz="1600">
-                <a:solidFill>
-                  <a:schemeClr val="accent4"/>
-                </a:solidFill>
-                <a:latin typeface="+mj-lt"/>
-                <a:ea typeface="+mj-ea"/>
-                <a:cs typeface="+mj-cs"/>
-                <a:sym typeface="Arial"/>
-              </a:defRPr>
-            </a:pPr>
-            <a:r>
-              <a:rPr lang="en-US" sz="1800" dirty="0">
-                <a:solidFill>
-                  <a:schemeClr val="accent4"/>
-                </a:solidFill>
-                <a:sym typeface="Arial"/>
-              </a:rPr>
-              <a:t>F1 Score(Harmonic Mean): </a:t>
-            </a:r>
-            <a:r>
-              <a:rPr lang="en-US" sz="1800" dirty="0">
-                <a:solidFill>
-                  <a:schemeClr val="bg1">
-                    <a:lumMod val="10000"/>
-                    <a:lumOff val="90000"/>
-                  </a:schemeClr>
-                </a:solidFill>
-                <a:sym typeface="Arial"/>
-              </a:rPr>
-              <a:t>~.07</a:t>
-            </a:r>
-          </a:p>
-          <a:p>
-            <a:pPr marL="742950" lvl="6" indent="-285750" defTabSz="342900">
-              <a:buClr>
-                <a:schemeClr val="accent1"/>
-              </a:buClr>
-              <a:buSzPts val="1600"/>
-              <a:buFont typeface="Arial"/>
-              <a:buChar char="•"/>
-              <a:defRPr sz="1600">
-                <a:solidFill>
-                  <a:schemeClr val="accent4"/>
-                </a:solidFill>
-                <a:latin typeface="+mj-lt"/>
-                <a:ea typeface="+mj-ea"/>
-                <a:cs typeface="+mj-cs"/>
-                <a:sym typeface="Arial"/>
-              </a:defRPr>
-            </a:pPr>
-            <a:endParaRPr lang="en-US" sz="1800" dirty="0">
-              <a:solidFill>
-                <a:schemeClr val="bg1">
-                  <a:lumMod val="10000"/>
-                  <a:lumOff val="90000"/>
-                </a:schemeClr>
-              </a:solidFill>
-              <a:sym typeface="Arial"/>
-            </a:endParaRPr>
-          </a:p>
-          <a:p>
-            <a:pPr marL="285750" lvl="5" indent="-285750" defTabSz="342900">
-              <a:buClr>
-                <a:schemeClr val="accent1"/>
-              </a:buClr>
-              <a:buSzPts val="1600"/>
-              <a:buFont typeface="Arial"/>
-              <a:buChar char="•"/>
-              <a:defRPr sz="1600">
-                <a:solidFill>
-                  <a:srgbClr val="FFFFFF"/>
-                </a:solidFill>
-                <a:latin typeface="+mj-lt"/>
-                <a:ea typeface="+mj-ea"/>
-                <a:cs typeface="+mj-cs"/>
-                <a:sym typeface="Arial"/>
-              </a:defRPr>
-            </a:pPr>
-            <a:r>
-              <a:rPr lang="en-US" sz="1800" dirty="0">
-                <a:solidFill>
-                  <a:srgbClr val="FFFFFF"/>
-                </a:solidFill>
-                <a:sym typeface="Arial"/>
-              </a:rPr>
-              <a:t>The Final Model metrics (Pneumonia):</a:t>
-            </a:r>
-          </a:p>
-          <a:p>
-            <a:pPr marL="742950" lvl="6" indent="-285750" defTabSz="342900">
-              <a:buClr>
-                <a:schemeClr val="accent1"/>
-              </a:buClr>
-              <a:buSzPts val="1600"/>
-              <a:buFont typeface="Arial"/>
-              <a:buChar char="•"/>
-              <a:defRPr sz="1600">
-                <a:solidFill>
-                  <a:schemeClr val="accent4"/>
-                </a:solidFill>
-                <a:latin typeface="+mj-lt"/>
-                <a:ea typeface="+mj-ea"/>
-                <a:cs typeface="+mj-cs"/>
-                <a:sym typeface="Arial"/>
-              </a:defRPr>
-            </a:pPr>
-            <a:r>
-              <a:rPr lang="en-US" sz="1800" dirty="0">
-                <a:solidFill>
-                  <a:schemeClr val="accent4"/>
-                </a:solidFill>
-                <a:sym typeface="Arial"/>
-              </a:rPr>
-              <a:t>Recall Score (Lowest False Neg) : </a:t>
-            </a:r>
-            <a:r>
-              <a:rPr lang="en-US" sz="1800" dirty="0">
-                <a:solidFill>
-                  <a:schemeClr val="bg1">
-                    <a:lumMod val="10000"/>
-                    <a:lumOff val="90000"/>
-                  </a:schemeClr>
-                </a:solidFill>
-                <a:sym typeface="Arial"/>
-              </a:rPr>
-              <a:t>~.94</a:t>
-            </a:r>
-            <a:endParaRPr lang="en-US" sz="1800" dirty="0">
-              <a:solidFill>
-                <a:srgbClr val="FFFFFF"/>
-              </a:solidFill>
-              <a:sym typeface="Arial"/>
-            </a:endParaRPr>
-          </a:p>
-          <a:p>
-            <a:pPr marL="742950" lvl="6" indent="-285750" defTabSz="342900">
-              <a:buClr>
-                <a:schemeClr val="accent1"/>
-              </a:buClr>
-              <a:buSzPts val="1600"/>
-              <a:buFont typeface="Arial"/>
-              <a:buChar char="•"/>
-              <a:defRPr sz="1600">
-                <a:solidFill>
-                  <a:schemeClr val="accent4"/>
-                </a:solidFill>
-                <a:latin typeface="+mj-lt"/>
-                <a:ea typeface="+mj-ea"/>
-                <a:cs typeface="+mj-cs"/>
-                <a:sym typeface="Arial"/>
-              </a:defRPr>
-            </a:pPr>
-            <a:r>
-              <a:rPr lang="en-US" sz="1800" dirty="0">
-                <a:solidFill>
-                  <a:schemeClr val="accent4"/>
-                </a:solidFill>
-                <a:sym typeface="Arial"/>
-              </a:rPr>
-              <a:t>F1 Score(Harmonic Mean): </a:t>
-            </a:r>
-            <a:r>
-              <a:rPr lang="en-US" sz="1800" dirty="0">
-                <a:solidFill>
-                  <a:schemeClr val="bg1">
-                    <a:lumMod val="10000"/>
-                    <a:lumOff val="90000"/>
-                  </a:schemeClr>
-                </a:solidFill>
-                <a:sym typeface="Arial"/>
-              </a:rPr>
-              <a:t>~.75</a:t>
-            </a:r>
-          </a:p>
-          <a:p>
-            <a:pPr marL="457200" lvl="6" defTabSz="342900">
-              <a:buClr>
-                <a:schemeClr val="accent1"/>
-              </a:buClr>
-              <a:buSzPts val="1600"/>
-              <a:defRPr sz="1600">
-                <a:solidFill>
-                  <a:schemeClr val="accent4"/>
-                </a:solidFill>
-                <a:latin typeface="+mj-lt"/>
-                <a:ea typeface="+mj-ea"/>
-                <a:cs typeface="+mj-cs"/>
-                <a:sym typeface="Arial"/>
-              </a:defRPr>
-            </a:pPr>
-            <a:endParaRPr lang="en-US" sz="1800" dirty="0">
-              <a:solidFill>
-                <a:schemeClr val="bg1">
-                  <a:lumMod val="10000"/>
-                  <a:lumOff val="90000"/>
-                </a:schemeClr>
-              </a:solidFill>
-              <a:sym typeface="Arial"/>
-            </a:endParaRPr>
-          </a:p>
-          <a:p>
-            <a:pPr marL="742950" lvl="4" indent="-285750" defTabSz="342900">
-              <a:buClr>
-                <a:schemeClr val="accent1"/>
-              </a:buClr>
-              <a:buSzPts val="1600"/>
-              <a:buFont typeface="Arial"/>
-              <a:buChar char="•"/>
-              <a:defRPr sz="1600">
-                <a:solidFill>
-                  <a:schemeClr val="accent4"/>
-                </a:solidFill>
-                <a:latin typeface="+mj-lt"/>
-                <a:ea typeface="+mj-ea"/>
-                <a:cs typeface="+mj-cs"/>
-                <a:sym typeface="Arial"/>
-              </a:defRPr>
-            </a:pPr>
-            <a:r>
-              <a:rPr lang="en-US" sz="1800" dirty="0">
-                <a:solidFill>
-                  <a:schemeClr val="bg1">
-                    <a:lumMod val="10000"/>
-                    <a:lumOff val="90000"/>
-                  </a:schemeClr>
-                </a:solidFill>
-                <a:sym typeface="Arial"/>
-              </a:rPr>
-              <a:t>Final Model Loss </a:t>
-            </a:r>
-            <a:r>
-              <a:rPr lang="en-US" sz="1800" dirty="0">
-                <a:solidFill>
-                  <a:schemeClr val="accent4"/>
-                </a:solidFill>
-                <a:sym typeface="Arial"/>
-              </a:rPr>
-              <a:t>(Error Accuracy): </a:t>
-            </a:r>
-            <a:r>
-              <a:rPr lang="en-US" sz="1800" dirty="0">
-                <a:solidFill>
-                  <a:schemeClr val="bg1">
-                    <a:lumMod val="10000"/>
-                    <a:lumOff val="90000"/>
-                  </a:schemeClr>
-                </a:solidFill>
-                <a:sym typeface="Arial"/>
-              </a:rPr>
-              <a:t>~.68</a:t>
-            </a:r>
-          </a:p>
-          <a:p>
-            <a:pPr marL="742950" lvl="6" indent="-285750" defTabSz="342900">
-              <a:buClr>
-                <a:schemeClr val="accent1"/>
-              </a:buClr>
-              <a:buSzPts val="1600"/>
-              <a:buFont typeface="Arial"/>
-              <a:buChar char="•"/>
-              <a:defRPr sz="1600">
-                <a:solidFill>
-                  <a:schemeClr val="accent4"/>
-                </a:solidFill>
-                <a:latin typeface="+mj-lt"/>
-                <a:ea typeface="+mj-ea"/>
-                <a:cs typeface="+mj-cs"/>
-                <a:sym typeface="Arial"/>
-              </a:defRPr>
-            </a:pPr>
-            <a:endParaRPr lang="en-US" sz="1800" dirty="0">
-              <a:solidFill>
-                <a:schemeClr val="bg1">
-                  <a:lumMod val="10000"/>
-                  <a:lumOff val="90000"/>
-                </a:schemeClr>
-              </a:solidFill>
-              <a:sym typeface="Arial"/>
-            </a:endParaRPr>
-          </a:p>
-          <a:p>
-            <a:pPr marL="742950" lvl="6" indent="-285750" defTabSz="342900">
-              <a:buClr>
-                <a:schemeClr val="accent1"/>
-              </a:buClr>
-              <a:buSzPts val="1600"/>
-              <a:buFont typeface="Arial"/>
-              <a:buChar char="•"/>
-              <a:defRPr sz="1600">
-                <a:solidFill>
-                  <a:schemeClr val="accent4"/>
-                </a:solidFill>
-                <a:latin typeface="+mj-lt"/>
-                <a:ea typeface="+mj-ea"/>
-                <a:cs typeface="+mj-cs"/>
-                <a:sym typeface="Arial"/>
-              </a:defRPr>
-            </a:pPr>
-            <a:endParaRPr sz="1800" dirty="0">
-              <a:solidFill>
-                <a:schemeClr val="accent4"/>
-              </a:solidFill>
-              <a:latin typeface="+mj-lt"/>
-              <a:ea typeface="+mj-ea"/>
-              <a:cs typeface="+mj-cs"/>
-            </a:endParaRPr>
-          </a:p>
-          <a:p>
-            <a:pPr marL="742950" lvl="6" indent="-285750" defTabSz="342900">
-              <a:buClr>
-                <a:schemeClr val="accent1"/>
-              </a:buClr>
-              <a:buSzPts val="1600"/>
-              <a:buFont typeface="Arial"/>
-              <a:buChar char="•"/>
-              <a:defRPr sz="1600">
-                <a:solidFill>
-                  <a:srgbClr val="FFFFFF"/>
-                </a:solidFill>
-                <a:latin typeface="+mj-lt"/>
-                <a:ea typeface="+mj-ea"/>
-                <a:cs typeface="+mj-cs"/>
-                <a:sym typeface="Arial"/>
-              </a:defRPr>
-            </a:pPr>
-            <a:endParaRPr sz="1800" dirty="0"/>
-          </a:p>
-          <a:p>
-            <a:pPr defTabSz="342900">
-              <a:defRPr sz="1600">
-                <a:solidFill>
-                  <a:srgbClr val="FFFFFF"/>
-                </a:solidFill>
-                <a:latin typeface="+mj-lt"/>
-                <a:ea typeface="+mj-ea"/>
-                <a:cs typeface="+mj-cs"/>
-                <a:sym typeface="Arial"/>
-              </a:defRPr>
-            </a:pPr>
-            <a:endParaRPr dirty="0"/>
-          </a:p>
-          <a:p>
-            <a:pPr defTabSz="342900">
-              <a:defRPr sz="1600">
-                <a:solidFill>
-                  <a:srgbClr val="FFFFFF"/>
-                </a:solidFill>
-                <a:latin typeface="+mj-lt"/>
-                <a:ea typeface="+mj-ea"/>
-                <a:cs typeface="+mj-cs"/>
-                <a:sym typeface="Arial"/>
-              </a:defRPr>
-            </a:pPr>
-            <a:endParaRPr dirty="0"/>
-          </a:p>
-        </p:txBody>
-      </p:sp>
-      <p:pic>
-        <p:nvPicPr>
-          <p:cNvPr id="3" name="Picture 2">
-            <a:extLst>
-              <a:ext uri="{FF2B5EF4-FFF2-40B4-BE49-F238E27FC236}">
-                <a16:creationId xmlns:a16="http://schemas.microsoft.com/office/drawing/2014/main" id="{081B45C9-5639-5943-861A-113BE58947B0}"/>
-              </a:ext>
-            </a:extLst>
-          </p:cNvPr>
-          <p:cNvPicPr>
-            <a:picLocks noChangeAspect="1"/>
-          </p:cNvPicPr>
-          <p:nvPr/>
-        </p:nvPicPr>
-        <p:blipFill>
-          <a:blip r:embed="rId2">
-            <a:extLst>
-              <a:ext uri="{28A0092B-C50C-407E-A947-70E740481C1C}">
-                <a14:useLocalDpi xmlns:a14="http://schemas.microsoft.com/office/drawing/2010/main" val="0"/>
-              </a:ext>
-            </a:extLst>
-          </a:blip>
-          <a:stretch>
-            <a:fillRect/>
-          </a:stretch>
-        </p:blipFill>
-        <p:spPr>
-          <a:xfrm>
-            <a:off x="6468233" y="306425"/>
-            <a:ext cx="2070885" cy="4297331"/>
-          </a:xfrm>
-          <a:prstGeom prst="rect">
-            <a:avLst/>
-          </a:prstGeom>
-        </p:spPr>
-      </p:pic>
       <p:sp>
         <p:nvSpPr>
           <p:cNvPr id="4" name="TextBox 3">
@@ -8247,327 +8343,760 @@
           </a:p>
         </p:txBody>
       </p:sp>
-    </p:spTree>
-  </p:cSld>
-  <p:clrMapOvr>
-    <a:masterClrMapping/>
-  </p:clrMapOvr>
-  <p:transition spd="med"/>
-</p:sld>
-</file>
-
-<file path=ppt/slides/slide9.xml><?xml version="1.0" encoding="utf-8"?>
-<p:sld xmlns:a="http://schemas.openxmlformats.org/drawingml/2006/main" xmlns:r="http://schemas.openxmlformats.org/officeDocument/2006/relationships" xmlns:p="http://schemas.openxmlformats.org/presentationml/2006/main">
-  <p:cSld>
-    <p:spTree>
-      <p:nvGrpSpPr>
-        <p:cNvPr id="1" name=""/>
-        <p:cNvGrpSpPr/>
-        <p:nvPr/>
-      </p:nvGrpSpPr>
-      <p:grpSpPr>
-        <a:xfrm>
-          <a:off x="0" y="0"/>
-          <a:ext cx="0" cy="0"/>
-          <a:chOff x="0" y="0"/>
-          <a:chExt cx="0" cy="0"/>
-        </a:xfrm>
-      </p:grpSpPr>
-      <p:sp>
-        <p:nvSpPr>
-          <p:cNvPr id="2" name="Title 1">
+      <p:graphicFrame>
+        <p:nvGraphicFramePr>
+          <p:cNvPr id="2" name="Table 1">
             <a:extLst>
               <a:ext uri="{FF2B5EF4-FFF2-40B4-BE49-F238E27FC236}">
-                <a16:creationId xmlns:a16="http://schemas.microsoft.com/office/drawing/2014/main" id="{DAD72253-67C6-D34B-A542-AE3015A4DFD8}"/>
+                <a16:creationId xmlns:a16="http://schemas.microsoft.com/office/drawing/2014/main" id="{7281029E-BE32-BE40-8430-083E66F546E4}"/>
               </a:ext>
             </a:extLst>
           </p:cNvPr>
-          <p:cNvSpPr>
-            <a:spLocks noGrp="1"/>
-          </p:cNvSpPr>
+          <p:cNvGraphicFramePr>
+            <a:graphicFrameLocks noGrp="1"/>
+          </p:cNvGraphicFramePr>
           <p:nvPr>
-            <p:ph type="title"/>
+            <p:extLst>
+              <p:ext uri="{D42A27DB-BD31-4B8C-83A1-F6EECF244321}">
+                <p14:modId xmlns:p14="http://schemas.microsoft.com/office/powerpoint/2010/main" val="3996491897"/>
+              </p:ext>
+            </p:extLst>
           </p:nvPr>
-        </p:nvSpPr>
-        <p:spPr>
-          <a:xfrm>
-            <a:off x="311699" y="180330"/>
-            <a:ext cx="8520602" cy="572701"/>
-          </a:xfrm>
-        </p:spPr>
-        <p:txBody>
-          <a:bodyPr>
-            <a:normAutofit fontScale="90000"/>
-          </a:bodyPr>
-          <a:lstStyle/>
-          <a:p>
-            <a:r>
-              <a:rPr lang="en-US" dirty="0"/>
-              <a:t>Final Model’s Prediction</a:t>
-            </a:r>
-          </a:p>
-        </p:txBody>
-      </p:sp>
-      <p:sp>
-        <p:nvSpPr>
-          <p:cNvPr id="8" name="TextBox 7">
+        </p:nvGraphicFramePr>
+        <p:xfrm>
+          <a:off x="445611" y="1319202"/>
+          <a:ext cx="4892681" cy="2291080"/>
+        </p:xfrm>
+        <a:graphic>
+          <a:graphicData uri="http://schemas.openxmlformats.org/drawingml/2006/table">
+            <a:tbl>
+              <a:tblPr firstRow="1" bandRow="1">
+                <a:tableStyleId>{775DCB02-9BB8-47FD-8907-85C794F793BA}</a:tableStyleId>
+              </a:tblPr>
+              <a:tblGrid>
+                <a:gridCol w="2065769">
+                  <a:extLst>
+                    <a:ext uri="{9D8B030D-6E8A-4147-A177-3AD203B41FA5}">
+                      <a16:colId xmlns:a16="http://schemas.microsoft.com/office/drawing/2014/main" val="1205113253"/>
+                    </a:ext>
+                  </a:extLst>
+                </a:gridCol>
+                <a:gridCol w="1262276">
+                  <a:extLst>
+                    <a:ext uri="{9D8B030D-6E8A-4147-A177-3AD203B41FA5}">
+                      <a16:colId xmlns:a16="http://schemas.microsoft.com/office/drawing/2014/main" val="2138841924"/>
+                    </a:ext>
+                  </a:extLst>
+                </a:gridCol>
+                <a:gridCol w="1564636">
+                  <a:extLst>
+                    <a:ext uri="{9D8B030D-6E8A-4147-A177-3AD203B41FA5}">
+                      <a16:colId xmlns:a16="http://schemas.microsoft.com/office/drawing/2014/main" val="2191525756"/>
+                    </a:ext>
+                  </a:extLst>
+                </a:gridCol>
+              </a:tblGrid>
+              <a:tr h="343031">
+                <a:tc>
+                  <a:txBody>
+                    <a:bodyPr/>
+                    <a:lstStyle/>
+                    <a:p>
+                      <a:pPr algn="ctr"/>
+                      <a:r>
+                        <a:rPr lang="en-US" sz="1800" dirty="0"/>
+                        <a:t>Metrics</a:t>
+                      </a:r>
+                    </a:p>
+                  </a:txBody>
+                  <a:tcPr>
+                    <a:lnL w="57150" cap="flat" cmpd="sng" algn="ctr">
+                      <a:solidFill>
+                        <a:schemeClr val="tx1"/>
+                      </a:solidFill>
+                      <a:prstDash val="solid"/>
+                      <a:round/>
+                      <a:headEnd type="none" w="med" len="med"/>
+                      <a:tailEnd type="none" w="med" len="med"/>
+                    </a:lnL>
+                    <a:lnR w="57150" cap="flat" cmpd="sng" algn="ctr">
+                      <a:solidFill>
+                        <a:schemeClr val="tx1"/>
+                      </a:solidFill>
+                      <a:prstDash val="solid"/>
+                      <a:round/>
+                      <a:headEnd type="none" w="med" len="med"/>
+                      <a:tailEnd type="none" w="med" len="med"/>
+                    </a:lnR>
+                    <a:lnT w="57150" cap="flat" cmpd="sng" algn="ctr">
+                      <a:solidFill>
+                        <a:schemeClr val="tx1"/>
+                      </a:solidFill>
+                      <a:prstDash val="solid"/>
+                      <a:round/>
+                      <a:headEnd type="none" w="med" len="med"/>
+                      <a:tailEnd type="none" w="med" len="med"/>
+                    </a:lnT>
+                    <a:lnB w="57150" cap="flat" cmpd="sng" algn="ctr">
+                      <a:solidFill>
+                        <a:schemeClr val="tx1"/>
+                      </a:solidFill>
+                      <a:prstDash val="solid"/>
+                      <a:round/>
+                      <a:headEnd type="none" w="med" len="med"/>
+                      <a:tailEnd type="none" w="med" len="med"/>
+                    </a:lnB>
+                  </a:tcPr>
+                </a:tc>
+                <a:tc>
+                  <a:txBody>
+                    <a:bodyPr/>
+                    <a:lstStyle/>
+                    <a:p>
+                      <a:pPr algn="ctr"/>
+                      <a:r>
+                        <a:rPr lang="en-US" sz="1800" dirty="0"/>
+                        <a:t>Normal Images</a:t>
+                      </a:r>
+                    </a:p>
+                  </a:txBody>
+                  <a:tcPr>
+                    <a:lnL w="57150" cap="flat" cmpd="sng" algn="ctr">
+                      <a:solidFill>
+                        <a:schemeClr val="tx1"/>
+                      </a:solidFill>
+                      <a:prstDash val="solid"/>
+                      <a:round/>
+                      <a:headEnd type="none" w="med" len="med"/>
+                      <a:tailEnd type="none" w="med" len="med"/>
+                    </a:lnL>
+                    <a:lnR w="57150" cap="flat" cmpd="sng" algn="ctr">
+                      <a:solidFill>
+                        <a:schemeClr val="tx1"/>
+                      </a:solidFill>
+                      <a:prstDash val="solid"/>
+                      <a:round/>
+                      <a:headEnd type="none" w="med" len="med"/>
+                      <a:tailEnd type="none" w="med" len="med"/>
+                    </a:lnR>
+                    <a:lnT w="57150" cap="flat" cmpd="sng" algn="ctr">
+                      <a:solidFill>
+                        <a:schemeClr val="tx1"/>
+                      </a:solidFill>
+                      <a:prstDash val="solid"/>
+                      <a:round/>
+                      <a:headEnd type="none" w="med" len="med"/>
+                      <a:tailEnd type="none" w="med" len="med"/>
+                    </a:lnT>
+                    <a:lnB w="57150" cap="flat" cmpd="sng" algn="ctr">
+                      <a:solidFill>
+                        <a:schemeClr val="tx1"/>
+                      </a:solidFill>
+                      <a:prstDash val="solid"/>
+                      <a:round/>
+                      <a:headEnd type="none" w="med" len="med"/>
+                      <a:tailEnd type="none" w="med" len="med"/>
+                    </a:lnB>
+                  </a:tcPr>
+                </a:tc>
+                <a:tc>
+                  <a:txBody>
+                    <a:bodyPr/>
+                    <a:lstStyle/>
+                    <a:p>
+                      <a:pPr algn="ctr"/>
+                      <a:r>
+                        <a:rPr lang="en-US" sz="1800" dirty="0"/>
+                        <a:t>Pneumonia Images</a:t>
+                      </a:r>
+                    </a:p>
+                  </a:txBody>
+                  <a:tcPr>
+                    <a:lnL w="57150" cap="flat" cmpd="sng" algn="ctr">
+                      <a:solidFill>
+                        <a:schemeClr val="tx1"/>
+                      </a:solidFill>
+                      <a:prstDash val="solid"/>
+                      <a:round/>
+                      <a:headEnd type="none" w="med" len="med"/>
+                      <a:tailEnd type="none" w="med" len="med"/>
+                    </a:lnL>
+                    <a:lnR w="57150" cap="flat" cmpd="sng" algn="ctr">
+                      <a:solidFill>
+                        <a:schemeClr val="tx1"/>
+                      </a:solidFill>
+                      <a:prstDash val="solid"/>
+                      <a:round/>
+                      <a:headEnd type="none" w="med" len="med"/>
+                      <a:tailEnd type="none" w="med" len="med"/>
+                    </a:lnR>
+                    <a:lnT w="57150" cap="flat" cmpd="sng" algn="ctr">
+                      <a:solidFill>
+                        <a:schemeClr val="tx1"/>
+                      </a:solidFill>
+                      <a:prstDash val="solid"/>
+                      <a:round/>
+                      <a:headEnd type="none" w="med" len="med"/>
+                      <a:tailEnd type="none" w="med" len="med"/>
+                    </a:lnT>
+                    <a:lnB w="57150" cap="flat" cmpd="sng" algn="ctr">
+                      <a:solidFill>
+                        <a:schemeClr val="tx1"/>
+                      </a:solidFill>
+                      <a:prstDash val="solid"/>
+                      <a:round/>
+                      <a:headEnd type="none" w="med" len="med"/>
+                      <a:tailEnd type="none" w="med" len="med"/>
+                    </a:lnB>
+                  </a:tcPr>
+                </a:tc>
+                <a:extLst>
+                  <a:ext uri="{0D108BD9-81ED-4DB2-BD59-A6C34878D82A}">
+                    <a16:rowId xmlns:a16="http://schemas.microsoft.com/office/drawing/2014/main" val="3366847173"/>
+                  </a:ext>
+                </a:extLst>
+              </a:tr>
+              <a:tr h="370840">
+                <a:tc>
+                  <a:txBody>
+                    <a:bodyPr/>
+                    <a:lstStyle/>
+                    <a:p>
+                      <a:pPr algn="ctr"/>
+                      <a:r>
+                        <a:rPr lang="en-US" sz="1800" dirty="0"/>
+                        <a:t>Recall Score (Low FN)</a:t>
+                      </a:r>
+                    </a:p>
+                  </a:txBody>
+                  <a:tcPr>
+                    <a:lnL w="57150" cap="flat" cmpd="sng" algn="ctr">
+                      <a:solidFill>
+                        <a:schemeClr val="tx1"/>
+                      </a:solidFill>
+                      <a:prstDash val="solid"/>
+                      <a:round/>
+                      <a:headEnd type="none" w="med" len="med"/>
+                      <a:tailEnd type="none" w="med" len="med"/>
+                    </a:lnL>
+                    <a:lnR w="57150" cap="flat" cmpd="sng" algn="ctr">
+                      <a:solidFill>
+                        <a:schemeClr val="tx1"/>
+                      </a:solidFill>
+                      <a:prstDash val="solid"/>
+                      <a:round/>
+                      <a:headEnd type="none" w="med" len="med"/>
+                      <a:tailEnd type="none" w="med" len="med"/>
+                    </a:lnR>
+                    <a:lnT w="57150" cap="flat" cmpd="sng" algn="ctr">
+                      <a:solidFill>
+                        <a:schemeClr val="tx1"/>
+                      </a:solidFill>
+                      <a:prstDash val="solid"/>
+                      <a:round/>
+                      <a:headEnd type="none" w="med" len="med"/>
+                      <a:tailEnd type="none" w="med" len="med"/>
+                    </a:lnT>
+                    <a:lnB w="57150" cap="flat" cmpd="sng" algn="ctr">
+                      <a:solidFill>
+                        <a:schemeClr val="tx1"/>
+                      </a:solidFill>
+                      <a:prstDash val="solid"/>
+                      <a:round/>
+                      <a:headEnd type="none" w="med" len="med"/>
+                      <a:tailEnd type="none" w="med" len="med"/>
+                    </a:lnB>
+                    <a:solidFill>
+                      <a:schemeClr val="accent1"/>
+                    </a:solidFill>
+                  </a:tcPr>
+                </a:tc>
+                <a:tc>
+                  <a:txBody>
+                    <a:bodyPr/>
+                    <a:lstStyle/>
+                    <a:p>
+                      <a:pPr algn="ctr"/>
+                      <a:r>
+                        <a:rPr lang="en-US" sz="1800" dirty="0"/>
+                        <a:t>48%</a:t>
+                      </a:r>
+                    </a:p>
+                  </a:txBody>
+                  <a:tcPr>
+                    <a:lnL w="57150" cap="flat" cmpd="sng" algn="ctr">
+                      <a:solidFill>
+                        <a:schemeClr val="tx1"/>
+                      </a:solidFill>
+                      <a:prstDash val="solid"/>
+                      <a:round/>
+                      <a:headEnd type="none" w="med" len="med"/>
+                      <a:tailEnd type="none" w="med" len="med"/>
+                    </a:lnL>
+                    <a:lnR w="57150" cap="flat" cmpd="sng" algn="ctr">
+                      <a:solidFill>
+                        <a:schemeClr val="tx1"/>
+                      </a:solidFill>
+                      <a:prstDash val="solid"/>
+                      <a:round/>
+                      <a:headEnd type="none" w="med" len="med"/>
+                      <a:tailEnd type="none" w="med" len="med"/>
+                    </a:lnR>
+                    <a:lnT w="57150" cap="flat" cmpd="sng" algn="ctr">
+                      <a:solidFill>
+                        <a:schemeClr val="tx1"/>
+                      </a:solidFill>
+                      <a:prstDash val="solid"/>
+                      <a:round/>
+                      <a:headEnd type="none" w="med" len="med"/>
+                      <a:tailEnd type="none" w="med" len="med"/>
+                    </a:lnT>
+                    <a:lnB w="57150" cap="flat" cmpd="sng" algn="ctr">
+                      <a:solidFill>
+                        <a:schemeClr val="tx1"/>
+                      </a:solidFill>
+                      <a:prstDash val="solid"/>
+                      <a:round/>
+                      <a:headEnd type="none" w="med" len="med"/>
+                      <a:tailEnd type="none" w="med" len="med"/>
+                    </a:lnB>
+                    <a:solidFill>
+                      <a:schemeClr val="accent1"/>
+                    </a:solidFill>
+                  </a:tcPr>
+                </a:tc>
+                <a:tc>
+                  <a:txBody>
+                    <a:bodyPr/>
+                    <a:lstStyle/>
+                    <a:p>
+                      <a:pPr algn="ctr"/>
+                      <a:r>
+                        <a:rPr lang="en-US" sz="1800" dirty="0"/>
+                        <a:t>98%</a:t>
+                      </a:r>
+                    </a:p>
+                  </a:txBody>
+                  <a:tcPr>
+                    <a:lnL w="57150" cap="flat" cmpd="sng" algn="ctr">
+                      <a:solidFill>
+                        <a:schemeClr val="tx1"/>
+                      </a:solidFill>
+                      <a:prstDash val="solid"/>
+                      <a:round/>
+                      <a:headEnd type="none" w="med" len="med"/>
+                      <a:tailEnd type="none" w="med" len="med"/>
+                    </a:lnL>
+                    <a:lnR w="57150" cap="flat" cmpd="sng" algn="ctr">
+                      <a:solidFill>
+                        <a:schemeClr val="tx1"/>
+                      </a:solidFill>
+                      <a:prstDash val="solid"/>
+                      <a:round/>
+                      <a:headEnd type="none" w="med" len="med"/>
+                      <a:tailEnd type="none" w="med" len="med"/>
+                    </a:lnR>
+                    <a:lnT w="57150" cap="flat" cmpd="sng" algn="ctr">
+                      <a:solidFill>
+                        <a:schemeClr val="tx1"/>
+                      </a:solidFill>
+                      <a:prstDash val="solid"/>
+                      <a:round/>
+                      <a:headEnd type="none" w="med" len="med"/>
+                      <a:tailEnd type="none" w="med" len="med"/>
+                    </a:lnT>
+                    <a:lnB w="57150" cap="flat" cmpd="sng" algn="ctr">
+                      <a:solidFill>
+                        <a:schemeClr val="tx1"/>
+                      </a:solidFill>
+                      <a:prstDash val="solid"/>
+                      <a:round/>
+                      <a:headEnd type="none" w="med" len="med"/>
+                      <a:tailEnd type="none" w="med" len="med"/>
+                    </a:lnB>
+                    <a:solidFill>
+                      <a:schemeClr val="accent1"/>
+                    </a:solidFill>
+                  </a:tcPr>
+                </a:tc>
+                <a:extLst>
+                  <a:ext uri="{0D108BD9-81ED-4DB2-BD59-A6C34878D82A}">
+                    <a16:rowId xmlns:a16="http://schemas.microsoft.com/office/drawing/2014/main" val="2522117983"/>
+                  </a:ext>
+                </a:extLst>
+              </a:tr>
+              <a:tr h="370840">
+                <a:tc>
+                  <a:txBody>
+                    <a:bodyPr/>
+                    <a:lstStyle/>
+                    <a:p>
+                      <a:pPr algn="ctr"/>
+                      <a:r>
+                        <a:rPr lang="en-US" sz="1800" dirty="0"/>
+                        <a:t>F1-Score (Harmonic Mean)</a:t>
+                      </a:r>
+                    </a:p>
+                  </a:txBody>
+                  <a:tcPr>
+                    <a:lnL w="57150" cap="flat" cmpd="sng" algn="ctr">
+                      <a:solidFill>
+                        <a:schemeClr val="tx1"/>
+                      </a:solidFill>
+                      <a:prstDash val="solid"/>
+                      <a:round/>
+                      <a:headEnd type="none" w="med" len="med"/>
+                      <a:tailEnd type="none" w="med" len="med"/>
+                    </a:lnL>
+                    <a:lnR w="57150" cap="flat" cmpd="sng" algn="ctr">
+                      <a:solidFill>
+                        <a:schemeClr val="tx1"/>
+                      </a:solidFill>
+                      <a:prstDash val="solid"/>
+                      <a:round/>
+                      <a:headEnd type="none" w="med" len="med"/>
+                      <a:tailEnd type="none" w="med" len="med"/>
+                    </a:lnR>
+                    <a:lnT w="57150" cap="flat" cmpd="sng" algn="ctr">
+                      <a:solidFill>
+                        <a:schemeClr val="tx1"/>
+                      </a:solidFill>
+                      <a:prstDash val="solid"/>
+                      <a:round/>
+                      <a:headEnd type="none" w="med" len="med"/>
+                      <a:tailEnd type="none" w="med" len="med"/>
+                    </a:lnT>
+                    <a:lnB w="57150" cap="flat" cmpd="sng" algn="ctr">
+                      <a:solidFill>
+                        <a:schemeClr val="tx1"/>
+                      </a:solidFill>
+                      <a:prstDash val="solid"/>
+                      <a:round/>
+                      <a:headEnd type="none" w="med" len="med"/>
+                      <a:tailEnd type="none" w="med" len="med"/>
+                    </a:lnB>
+                    <a:solidFill>
+                      <a:schemeClr val="accent1"/>
+                    </a:solidFill>
+                  </a:tcPr>
+                </a:tc>
+                <a:tc>
+                  <a:txBody>
+                    <a:bodyPr/>
+                    <a:lstStyle/>
+                    <a:p>
+                      <a:pPr algn="ctr"/>
+                      <a:r>
+                        <a:rPr lang="en-US" sz="1800" dirty="0"/>
+                        <a:t>63%</a:t>
+                      </a:r>
+                    </a:p>
+                  </a:txBody>
+                  <a:tcPr>
+                    <a:lnL w="57150" cap="flat" cmpd="sng" algn="ctr">
+                      <a:solidFill>
+                        <a:schemeClr val="tx1"/>
+                      </a:solidFill>
+                      <a:prstDash val="solid"/>
+                      <a:round/>
+                      <a:headEnd type="none" w="med" len="med"/>
+                      <a:tailEnd type="none" w="med" len="med"/>
+                    </a:lnL>
+                    <a:lnR w="57150" cap="flat" cmpd="sng" algn="ctr">
+                      <a:solidFill>
+                        <a:schemeClr val="tx1"/>
+                      </a:solidFill>
+                      <a:prstDash val="solid"/>
+                      <a:round/>
+                      <a:headEnd type="none" w="med" len="med"/>
+                      <a:tailEnd type="none" w="med" len="med"/>
+                    </a:lnR>
+                    <a:lnT w="57150" cap="flat" cmpd="sng" algn="ctr">
+                      <a:solidFill>
+                        <a:schemeClr val="tx1"/>
+                      </a:solidFill>
+                      <a:prstDash val="solid"/>
+                      <a:round/>
+                      <a:headEnd type="none" w="med" len="med"/>
+                      <a:tailEnd type="none" w="med" len="med"/>
+                    </a:lnT>
+                    <a:lnB w="57150" cap="flat" cmpd="sng" algn="ctr">
+                      <a:solidFill>
+                        <a:schemeClr val="tx1"/>
+                      </a:solidFill>
+                      <a:prstDash val="solid"/>
+                      <a:round/>
+                      <a:headEnd type="none" w="med" len="med"/>
+                      <a:tailEnd type="none" w="med" len="med"/>
+                    </a:lnB>
+                    <a:solidFill>
+                      <a:schemeClr val="accent1"/>
+                    </a:solidFill>
+                  </a:tcPr>
+                </a:tc>
+                <a:tc>
+                  <a:txBody>
+                    <a:bodyPr/>
+                    <a:lstStyle/>
+                    <a:p>
+                      <a:pPr algn="ctr"/>
+                      <a:r>
+                        <a:rPr lang="en-US" sz="1800" dirty="0"/>
+                        <a:t>86%</a:t>
+                      </a:r>
+                    </a:p>
+                  </a:txBody>
+                  <a:tcPr>
+                    <a:lnL w="57150" cap="flat" cmpd="sng" algn="ctr">
+                      <a:solidFill>
+                        <a:schemeClr val="tx1"/>
+                      </a:solidFill>
+                      <a:prstDash val="solid"/>
+                      <a:round/>
+                      <a:headEnd type="none" w="med" len="med"/>
+                      <a:tailEnd type="none" w="med" len="med"/>
+                    </a:lnL>
+                    <a:lnR w="57150" cap="flat" cmpd="sng" algn="ctr">
+                      <a:solidFill>
+                        <a:schemeClr val="tx1"/>
+                      </a:solidFill>
+                      <a:prstDash val="solid"/>
+                      <a:round/>
+                      <a:headEnd type="none" w="med" len="med"/>
+                      <a:tailEnd type="none" w="med" len="med"/>
+                    </a:lnR>
+                    <a:lnT w="57150" cap="flat" cmpd="sng" algn="ctr">
+                      <a:solidFill>
+                        <a:schemeClr val="tx1"/>
+                      </a:solidFill>
+                      <a:prstDash val="solid"/>
+                      <a:round/>
+                      <a:headEnd type="none" w="med" len="med"/>
+                      <a:tailEnd type="none" w="med" len="med"/>
+                    </a:lnT>
+                    <a:lnB w="57150" cap="flat" cmpd="sng" algn="ctr">
+                      <a:solidFill>
+                        <a:schemeClr val="tx1"/>
+                      </a:solidFill>
+                      <a:prstDash val="solid"/>
+                      <a:round/>
+                      <a:headEnd type="none" w="med" len="med"/>
+                      <a:tailEnd type="none" w="med" len="med"/>
+                    </a:lnB>
+                    <a:solidFill>
+                      <a:schemeClr val="accent1"/>
+                    </a:solidFill>
+                  </a:tcPr>
+                </a:tc>
+                <a:extLst>
+                  <a:ext uri="{0D108BD9-81ED-4DB2-BD59-A6C34878D82A}">
+                    <a16:rowId xmlns:a16="http://schemas.microsoft.com/office/drawing/2014/main" val="3553888657"/>
+                  </a:ext>
+                </a:extLst>
+              </a:tr>
+              <a:tr h="370840">
+                <a:tc>
+                  <a:txBody>
+                    <a:bodyPr/>
+                    <a:lstStyle/>
+                    <a:p>
+                      <a:pPr algn="ctr"/>
+                      <a:r>
+                        <a:rPr lang="en-US" sz="1800" dirty="0"/>
+                        <a:t>Precision</a:t>
+                      </a:r>
+                    </a:p>
+                  </a:txBody>
+                  <a:tcPr>
+                    <a:lnL w="57150" cap="flat" cmpd="sng" algn="ctr">
+                      <a:solidFill>
+                        <a:schemeClr val="tx1"/>
+                      </a:solidFill>
+                      <a:prstDash val="solid"/>
+                      <a:round/>
+                      <a:headEnd type="none" w="med" len="med"/>
+                      <a:tailEnd type="none" w="med" len="med"/>
+                    </a:lnL>
+                    <a:lnR w="57150" cap="flat" cmpd="sng" algn="ctr">
+                      <a:solidFill>
+                        <a:schemeClr val="tx1"/>
+                      </a:solidFill>
+                      <a:prstDash val="solid"/>
+                      <a:round/>
+                      <a:headEnd type="none" w="med" len="med"/>
+                      <a:tailEnd type="none" w="med" len="med"/>
+                    </a:lnR>
+                    <a:lnT w="57150" cap="flat" cmpd="sng" algn="ctr">
+                      <a:solidFill>
+                        <a:schemeClr val="tx1"/>
+                      </a:solidFill>
+                      <a:prstDash val="solid"/>
+                      <a:round/>
+                      <a:headEnd type="none" w="med" len="med"/>
+                      <a:tailEnd type="none" w="med" len="med"/>
+                    </a:lnT>
+                    <a:lnB w="57150" cap="flat" cmpd="sng" algn="ctr">
+                      <a:solidFill>
+                        <a:schemeClr val="tx1"/>
+                      </a:solidFill>
+                      <a:prstDash val="solid"/>
+                      <a:round/>
+                      <a:headEnd type="none" w="med" len="med"/>
+                      <a:tailEnd type="none" w="med" len="med"/>
+                    </a:lnB>
+                    <a:solidFill>
+                      <a:schemeClr val="accent1"/>
+                    </a:solidFill>
+                  </a:tcPr>
+                </a:tc>
+                <a:tc>
+                  <a:txBody>
+                    <a:bodyPr/>
+                    <a:lstStyle/>
+                    <a:p>
+                      <a:pPr algn="ctr"/>
+                      <a:r>
+                        <a:rPr lang="en-US" sz="1800" dirty="0"/>
+                        <a:t>94%</a:t>
+                      </a:r>
+                    </a:p>
+                  </a:txBody>
+                  <a:tcPr>
+                    <a:lnL w="57150" cap="flat" cmpd="sng" algn="ctr">
+                      <a:solidFill>
+                        <a:schemeClr val="tx1"/>
+                      </a:solidFill>
+                      <a:prstDash val="solid"/>
+                      <a:round/>
+                      <a:headEnd type="none" w="med" len="med"/>
+                      <a:tailEnd type="none" w="med" len="med"/>
+                    </a:lnL>
+                    <a:lnR w="57150" cap="flat" cmpd="sng" algn="ctr">
+                      <a:solidFill>
+                        <a:schemeClr val="tx1"/>
+                      </a:solidFill>
+                      <a:prstDash val="solid"/>
+                      <a:round/>
+                      <a:headEnd type="none" w="med" len="med"/>
+                      <a:tailEnd type="none" w="med" len="med"/>
+                    </a:lnR>
+                    <a:lnT w="57150" cap="flat" cmpd="sng" algn="ctr">
+                      <a:solidFill>
+                        <a:schemeClr val="tx1"/>
+                      </a:solidFill>
+                      <a:prstDash val="solid"/>
+                      <a:round/>
+                      <a:headEnd type="none" w="med" len="med"/>
+                      <a:tailEnd type="none" w="med" len="med"/>
+                    </a:lnT>
+                    <a:lnB w="57150" cap="flat" cmpd="sng" algn="ctr">
+                      <a:solidFill>
+                        <a:schemeClr val="tx1"/>
+                      </a:solidFill>
+                      <a:prstDash val="solid"/>
+                      <a:round/>
+                      <a:headEnd type="none" w="med" len="med"/>
+                      <a:tailEnd type="none" w="med" len="med"/>
+                    </a:lnB>
+                    <a:solidFill>
+                      <a:schemeClr val="accent1"/>
+                    </a:solidFill>
+                  </a:tcPr>
+                </a:tc>
+                <a:tc>
+                  <a:txBody>
+                    <a:bodyPr/>
+                    <a:lstStyle/>
+                    <a:p>
+                      <a:pPr marL="0" marR="0" indent="0" algn="ctr" defTabSz="914400" rtl="0" latinLnBrk="0">
+                        <a:lnSpc>
+                          <a:spcPct val="100000"/>
+                        </a:lnSpc>
+                        <a:spcBef>
+                          <a:spcPts val="0"/>
+                        </a:spcBef>
+                        <a:spcAft>
+                          <a:spcPts val="0"/>
+                        </a:spcAft>
+                        <a:buClrTx/>
+                        <a:buSzTx/>
+                        <a:buFontTx/>
+                        <a:buNone/>
+                        <a:tabLst/>
+                      </a:pPr>
+                      <a:r>
+                        <a:rPr lang="en-US" sz="1800" b="0" i="0" u="none" strike="noStrike" cap="none" spc="0" baseline="0" dirty="0">
+                          <a:solidFill>
+                            <a:schemeClr val="dk1"/>
+                          </a:solidFill>
+                          <a:uFillTx/>
+                          <a:latin typeface="+mn-lt"/>
+                          <a:ea typeface="+mn-ea"/>
+                          <a:cs typeface="+mn-cs"/>
+                          <a:sym typeface="Arial"/>
+                        </a:rPr>
+                        <a:t>76%</a:t>
+                      </a:r>
+                    </a:p>
+                  </a:txBody>
+                  <a:tcPr>
+                    <a:lnL w="57150" cap="flat" cmpd="sng" algn="ctr">
+                      <a:solidFill>
+                        <a:schemeClr val="tx1"/>
+                      </a:solidFill>
+                      <a:prstDash val="solid"/>
+                      <a:round/>
+                      <a:headEnd type="none" w="med" len="med"/>
+                      <a:tailEnd type="none" w="med" len="med"/>
+                    </a:lnL>
+                    <a:lnR w="57150" cap="flat" cmpd="sng" algn="ctr">
+                      <a:solidFill>
+                        <a:schemeClr val="tx1"/>
+                      </a:solidFill>
+                      <a:prstDash val="solid"/>
+                      <a:round/>
+                      <a:headEnd type="none" w="med" len="med"/>
+                      <a:tailEnd type="none" w="med" len="med"/>
+                    </a:lnR>
+                    <a:lnT w="57150" cap="flat" cmpd="sng" algn="ctr">
+                      <a:solidFill>
+                        <a:schemeClr val="tx1"/>
+                      </a:solidFill>
+                      <a:prstDash val="solid"/>
+                      <a:round/>
+                      <a:headEnd type="none" w="med" len="med"/>
+                      <a:tailEnd type="none" w="med" len="med"/>
+                    </a:lnT>
+                    <a:lnB w="57150" cap="flat" cmpd="sng" algn="ctr">
+                      <a:solidFill>
+                        <a:schemeClr val="tx1"/>
+                      </a:solidFill>
+                      <a:prstDash val="solid"/>
+                      <a:round/>
+                      <a:headEnd type="none" w="med" len="med"/>
+                      <a:tailEnd type="none" w="med" len="med"/>
+                    </a:lnB>
+                    <a:solidFill>
+                      <a:schemeClr val="accent1"/>
+                    </a:solidFill>
+                  </a:tcPr>
+                </a:tc>
+                <a:extLst>
+                  <a:ext uri="{0D108BD9-81ED-4DB2-BD59-A6C34878D82A}">
+                    <a16:rowId xmlns:a16="http://schemas.microsoft.com/office/drawing/2014/main" val="3742546592"/>
+                  </a:ext>
+                </a:extLst>
+              </a:tr>
+            </a:tbl>
+          </a:graphicData>
+        </a:graphic>
+      </p:graphicFrame>
+      <p:pic>
+        <p:nvPicPr>
+          <p:cNvPr id="6" name="Picture 5">
             <a:extLst>
               <a:ext uri="{FF2B5EF4-FFF2-40B4-BE49-F238E27FC236}">
-                <a16:creationId xmlns:a16="http://schemas.microsoft.com/office/drawing/2014/main" id="{E50DFF8C-28CF-6240-BAA6-F0692752567B}"/>
-              </a:ext>
-            </a:extLst>
-          </p:cNvPr>
-          <p:cNvSpPr txBox="1"/>
-          <p:nvPr/>
-        </p:nvSpPr>
-        <p:spPr>
-          <a:xfrm>
-            <a:off x="-478222" y="1952990"/>
-            <a:ext cx="4403558" cy="1569658"/>
-          </a:xfrm>
-          <a:prstGeom prst="rect">
-            <a:avLst/>
-          </a:prstGeom>
-          <a:noFill/>
-          <a:ln w="12700" cap="flat">
-            <a:noFill/>
-            <a:miter lim="400000"/>
-          </a:ln>
-          <a:effectLst/>
-          <a:sp3d/>
-        </p:spPr>
-        <p:style>
-          <a:lnRef idx="0">
-            <a:scrgbClr r="0" g="0" b="0"/>
-          </a:lnRef>
-          <a:fillRef idx="0">
-            <a:scrgbClr r="0" g="0" b="0"/>
-          </a:fillRef>
-          <a:effectRef idx="0">
-            <a:scrgbClr r="0" g="0" b="0"/>
-          </a:effectRef>
-          <a:fontRef idx="none"/>
-        </p:style>
-        <p:txBody>
-          <a:bodyPr rot="0" spcFirstLastPara="1" vertOverflow="overflow" horzOverflow="overflow" vert="horz" wrap="square" lIns="45719" tIns="45719" rIns="45719" bIns="45719" numCol="1" spcCol="38100" rtlCol="0" anchor="t">
-            <a:spAutoFit/>
-          </a:bodyPr>
-          <a:lstStyle/>
-          <a:p>
-            <a:pPr marL="742950" lvl="6" indent="-285750" defTabSz="342900">
-              <a:buClr>
-                <a:schemeClr val="accent1"/>
-              </a:buClr>
-              <a:buSzPts val="1600"/>
-              <a:buFont typeface="Arial"/>
-              <a:buChar char="•"/>
-              <a:defRPr sz="1600">
-                <a:solidFill>
-                  <a:srgbClr val="FFFFFF"/>
-                </a:solidFill>
-                <a:latin typeface="+mj-lt"/>
-                <a:ea typeface="+mj-ea"/>
-                <a:cs typeface="+mj-cs"/>
-                <a:sym typeface="Arial"/>
-              </a:defRPr>
-            </a:pPr>
-            <a:r>
-              <a:rPr lang="en-US" sz="1600" dirty="0">
-                <a:solidFill>
-                  <a:schemeClr val="accent4"/>
-                </a:solidFill>
-                <a:sym typeface="Arial"/>
-              </a:rPr>
-              <a:t>Accurate “Normal” Prediction: </a:t>
-            </a:r>
-            <a:r>
-              <a:rPr lang="en-US" sz="1600" dirty="0">
-                <a:solidFill>
-                  <a:srgbClr val="FFFFFF"/>
-                </a:solidFill>
-                <a:sym typeface="Arial"/>
-              </a:rPr>
-              <a:t>9 </a:t>
-            </a:r>
-          </a:p>
-          <a:p>
-            <a:pPr marL="742950" lvl="6" indent="-285750" defTabSz="342900">
-              <a:buClr>
-                <a:schemeClr val="accent1"/>
-              </a:buClr>
-              <a:buSzPts val="1600"/>
-              <a:buFont typeface="Arial"/>
-              <a:buChar char="•"/>
-              <a:defRPr sz="1600">
-                <a:solidFill>
-                  <a:srgbClr val="FFFFFF"/>
-                </a:solidFill>
-                <a:latin typeface="+mj-lt"/>
-                <a:ea typeface="+mj-ea"/>
-                <a:cs typeface="+mj-cs"/>
-                <a:sym typeface="Arial"/>
-              </a:defRPr>
-            </a:pPr>
-            <a:r>
-              <a:rPr lang="en-US" sz="1600" dirty="0">
-                <a:solidFill>
-                  <a:schemeClr val="accent4"/>
-                </a:solidFill>
-                <a:sym typeface="Arial"/>
-              </a:rPr>
-              <a:t>Incorrect “Normal” Prediction: </a:t>
-            </a:r>
-            <a:r>
-              <a:rPr lang="en-US" sz="1600" dirty="0">
-                <a:solidFill>
-                  <a:srgbClr val="FFFFFF"/>
-                </a:solidFill>
-                <a:latin typeface="+mj-lt"/>
-                <a:ea typeface="+mj-ea"/>
-                <a:cs typeface="+mj-cs"/>
-                <a:sym typeface="Arial"/>
-              </a:rPr>
-              <a:t>24</a:t>
-            </a:r>
-          </a:p>
-          <a:p>
-            <a:pPr marL="742950" lvl="6" indent="-285750" defTabSz="342900">
-              <a:buClr>
-                <a:schemeClr val="accent1"/>
-              </a:buClr>
-              <a:buSzPts val="1600"/>
-              <a:buFont typeface="Arial"/>
-              <a:buChar char="•"/>
-              <a:defRPr sz="1600">
-                <a:solidFill>
-                  <a:srgbClr val="FFFFFF"/>
-                </a:solidFill>
-                <a:latin typeface="+mj-lt"/>
-                <a:ea typeface="+mj-ea"/>
-                <a:cs typeface="+mj-cs"/>
-                <a:sym typeface="Arial"/>
-              </a:defRPr>
-            </a:pPr>
-            <a:endParaRPr lang="en-US" sz="1600" dirty="0">
-              <a:solidFill>
-                <a:srgbClr val="FFFFFF"/>
-              </a:solidFill>
-              <a:latin typeface="+mj-lt"/>
-              <a:ea typeface="+mj-ea"/>
-              <a:cs typeface="+mj-cs"/>
-              <a:sym typeface="Arial"/>
-            </a:endParaRPr>
-          </a:p>
-          <a:p>
-            <a:pPr marL="742950" lvl="6" indent="-285750" defTabSz="342900">
-              <a:buClr>
-                <a:schemeClr val="accent1"/>
-              </a:buClr>
-              <a:buSzPts val="1600"/>
-              <a:buFont typeface="Arial"/>
-              <a:buChar char="•"/>
-              <a:defRPr sz="1600">
-                <a:solidFill>
-                  <a:srgbClr val="FFFFFF"/>
-                </a:solidFill>
-                <a:latin typeface="+mj-lt"/>
-                <a:ea typeface="+mj-ea"/>
-                <a:cs typeface="+mj-cs"/>
-                <a:sym typeface="Arial"/>
-              </a:defRPr>
-            </a:pPr>
-            <a:r>
-              <a:rPr lang="en-US" sz="1600" dirty="0">
-                <a:solidFill>
-                  <a:schemeClr val="accent4"/>
-                </a:solidFill>
-                <a:sym typeface="Arial"/>
-              </a:rPr>
-              <a:t>Accurate “Pneumonia” Prediction: </a:t>
-            </a:r>
-            <a:r>
-              <a:rPr lang="en-US" sz="1600" dirty="0">
-                <a:solidFill>
-                  <a:srgbClr val="FFFFFF"/>
-                </a:solidFill>
-                <a:sym typeface="Arial"/>
-              </a:rPr>
-              <a:t>366 </a:t>
-            </a:r>
-          </a:p>
-          <a:p>
-            <a:pPr marL="742950" lvl="6" indent="-285750" defTabSz="342900">
-              <a:buClr>
-                <a:schemeClr val="accent1"/>
-              </a:buClr>
-              <a:buSzPts val="1600"/>
-              <a:buFont typeface="Arial"/>
-              <a:buChar char="•"/>
-              <a:defRPr sz="1600">
-                <a:solidFill>
-                  <a:srgbClr val="FFFFFF"/>
-                </a:solidFill>
-                <a:latin typeface="+mj-lt"/>
-                <a:ea typeface="+mj-ea"/>
-                <a:cs typeface="+mj-cs"/>
-                <a:sym typeface="Arial"/>
-              </a:defRPr>
-            </a:pPr>
-            <a:r>
-              <a:rPr lang="en-US" sz="1600" dirty="0">
-                <a:solidFill>
-                  <a:schemeClr val="accent4"/>
-                </a:solidFill>
-                <a:sym typeface="Arial"/>
-              </a:rPr>
-              <a:t>Incorrect “Pneumonia Prediction: </a:t>
-            </a:r>
-            <a:r>
-              <a:rPr lang="en-US" sz="1600" dirty="0">
-                <a:solidFill>
-                  <a:srgbClr val="FFFFFF"/>
-                </a:solidFill>
-                <a:sym typeface="Arial"/>
-              </a:rPr>
-              <a:t>225</a:t>
-            </a:r>
-          </a:p>
-          <a:p>
-            <a:pPr marL="742950" lvl="6" indent="-285750" defTabSz="342900">
-              <a:buClr>
-                <a:schemeClr val="accent1"/>
-              </a:buClr>
-              <a:buSzPts val="1600"/>
-              <a:buFont typeface="Arial"/>
-              <a:buChar char="•"/>
-              <a:defRPr sz="1600">
-                <a:solidFill>
-                  <a:srgbClr val="FFFFFF"/>
-                </a:solidFill>
-                <a:latin typeface="+mj-lt"/>
-                <a:ea typeface="+mj-ea"/>
-                <a:cs typeface="+mj-cs"/>
-                <a:sym typeface="Arial"/>
-              </a:defRPr>
-            </a:pPr>
-            <a:endParaRPr lang="en-US" sz="1600" dirty="0">
-              <a:solidFill>
-                <a:srgbClr val="FFFFFF"/>
-              </a:solidFill>
-              <a:latin typeface="+mj-lt"/>
-              <a:ea typeface="+mj-ea"/>
-              <a:cs typeface="+mj-cs"/>
-              <a:sym typeface="Arial"/>
-            </a:endParaRPr>
-          </a:p>
-        </p:txBody>
-      </p:sp>
-      <p:pic>
-        <p:nvPicPr>
-          <p:cNvPr id="4" name="Picture 3">
-            <a:extLst>
-              <a:ext uri="{FF2B5EF4-FFF2-40B4-BE49-F238E27FC236}">
-                <a16:creationId xmlns:a16="http://schemas.microsoft.com/office/drawing/2014/main" id="{B6719EEF-F30A-1B42-9A31-2CA29A0A01CA}"/>
+                <a16:creationId xmlns:a16="http://schemas.microsoft.com/office/drawing/2014/main" id="{C6FA9FA6-2B18-3E4B-8462-D71C588D54B0}"/>
               </a:ext>
             </a:extLst>
           </p:cNvPr>
@@ -8590,8 +9119,8 @@
         </p:blipFill>
         <p:spPr>
           <a:xfrm>
-            <a:off x="4102440" y="868645"/>
-            <a:ext cx="5041560" cy="3934583"/>
+            <a:off x="6473555" y="206063"/>
+            <a:ext cx="2020062" cy="4333740"/>
           </a:xfrm>
           <a:prstGeom prst="rect">
             <a:avLst/>
@@ -8599,11 +9128,6 @@
         </p:spPr>
       </p:pic>
     </p:spTree>
-    <p:extLst>
-      <p:ext uri="{BB962C8B-B14F-4D97-AF65-F5344CB8AC3E}">
-        <p14:creationId xmlns:p14="http://schemas.microsoft.com/office/powerpoint/2010/main" val="2410493315"/>
-      </p:ext>
-    </p:extLst>
   </p:cSld>
   <p:clrMapOvr>
     <a:masterClrMapping/>
